--- a/figures/FigS07.pptx
+++ b/figures/FigS07.pptx
@@ -7923,7 +7923,7 @@
           <a:p>
             <a:fld id="{7D22E5B2-9439-374A-B1E6-D8F9BBAFF71C}" type="datetimeFigureOut">
               <a:rPr kumimoji="1" lang="ja-JP" altLang="en-US" smtClean="0"/>
-              <a:t>2024/3/31</a:t>
+              <a:t>2024/7/25</a:t>
             </a:fld>
             <a:endParaRPr kumimoji="1" lang="ja-JP" altLang="en-US"/>
           </a:p>
@@ -8089,7 +8089,7 @@
           <a:p>
             <a:fld id="{EC1B1D34-CDA3-9948-B5AE-50FEAE2084F0}" type="datetimeFigureOut">
               <a:rPr kumimoji="1" lang="ja-JP" altLang="en-US" smtClean="0"/>
-              <a:t>2024/3/31</a:t>
+              <a:t>2024/7/25</a:t>
             </a:fld>
             <a:endParaRPr kumimoji="1" lang="ja-JP" altLang="en-US"/>
           </a:p>
@@ -8652,7 +8652,7 @@
           <a:p>
             <a:fld id="{DC18BD2E-9994-4E40-B328-49497B6525F5}" type="datetime1">
               <a:rPr kumimoji="1" lang="ja-JP" altLang="en-US" smtClean="0"/>
-              <a:t>2024/3/31</a:t>
+              <a:t>2024/7/25</a:t>
             </a:fld>
             <a:endParaRPr kumimoji="1" lang="ja-JP" altLang="en-US"/>
           </a:p>
@@ -8857,7 +8857,7 @@
           <a:p>
             <a:fld id="{ED32B4BE-600B-C746-92A1-96A3DB0F6359}" type="datetime1">
               <a:rPr kumimoji="1" lang="ja-JP" altLang="en-US" smtClean="0"/>
-              <a:t>2024/3/31</a:t>
+              <a:t>2024/7/25</a:t>
             </a:fld>
             <a:endParaRPr kumimoji="1" lang="ja-JP" altLang="en-US"/>
           </a:p>
@@ -9067,7 +9067,7 @@
           <a:p>
             <a:fld id="{957D4E43-ADDF-6B4C-A3A0-9FC11541FF6B}" type="datetime1">
               <a:rPr kumimoji="1" lang="ja-JP" altLang="en-US" smtClean="0"/>
-              <a:t>2024/3/31</a:t>
+              <a:t>2024/7/25</a:t>
             </a:fld>
             <a:endParaRPr kumimoji="1" lang="ja-JP" altLang="en-US"/>
           </a:p>
@@ -9267,7 +9267,7 @@
           <a:p>
             <a:fld id="{3ACE8623-A191-244D-9912-2788CD9AA0AB}" type="datetime1">
               <a:rPr kumimoji="1" lang="ja-JP" altLang="en-US" smtClean="0"/>
-              <a:t>2024/3/31</a:t>
+              <a:t>2024/7/25</a:t>
             </a:fld>
             <a:endParaRPr kumimoji="1" lang="ja-JP" altLang="en-US"/>
           </a:p>
@@ -9512,7 +9512,7 @@
           <a:p>
             <a:fld id="{ACF1CE24-2BE2-7F4A-9EE8-57950BD5865D}" type="datetime1">
               <a:rPr kumimoji="1" lang="ja-JP" altLang="en-US" smtClean="0"/>
-              <a:t>2024/3/31</a:t>
+              <a:t>2024/7/25</a:t>
             </a:fld>
             <a:endParaRPr kumimoji="1" lang="ja-JP" altLang="en-US"/>
           </a:p>
@@ -9861,7 +9861,7 @@
           <a:p>
             <a:fld id="{EC5917E1-143D-0147-AA4C-23A15708FCF1}" type="datetime1">
               <a:rPr kumimoji="1" lang="ja-JP" altLang="en-US" smtClean="0"/>
-              <a:t>2024/3/31</a:t>
+              <a:t>2024/7/25</a:t>
             </a:fld>
             <a:endParaRPr kumimoji="1" lang="ja-JP" altLang="en-US"/>
           </a:p>
@@ -10344,7 +10344,7 @@
           <a:p>
             <a:fld id="{040ED48A-E57C-F94E-B195-A02F52AC0C3F}" type="datetime1">
               <a:rPr kumimoji="1" lang="ja-JP" altLang="en-US" smtClean="0"/>
-              <a:t>2024/3/31</a:t>
+              <a:t>2024/7/25</a:t>
             </a:fld>
             <a:endParaRPr kumimoji="1" lang="ja-JP" altLang="en-US"/>
           </a:p>
@@ -10461,7 +10461,7 @@
           <a:p>
             <a:fld id="{6BFE0B55-0AB2-0749-8D75-4BC4FEF9C817}" type="datetime1">
               <a:rPr kumimoji="1" lang="ja-JP" altLang="en-US" smtClean="0"/>
-              <a:t>2024/3/31</a:t>
+              <a:t>2024/7/25</a:t>
             </a:fld>
             <a:endParaRPr kumimoji="1" lang="ja-JP" altLang="en-US"/>
           </a:p>
@@ -10556,7 +10556,7 @@
           <a:p>
             <a:fld id="{2C0F5FA4-0109-8247-9BE4-E10501EC04AA}" type="datetime1">
               <a:rPr kumimoji="1" lang="ja-JP" altLang="en-US" smtClean="0"/>
-              <a:t>2024/3/31</a:t>
+              <a:t>2024/7/25</a:t>
             </a:fld>
             <a:endParaRPr kumimoji="1" lang="ja-JP" altLang="en-US"/>
           </a:p>
@@ -10863,7 +10863,7 @@
           <a:p>
             <a:fld id="{8C6B6A4B-2033-7A4E-B3D4-26E50F09F6B4}" type="datetime1">
               <a:rPr kumimoji="1" lang="ja-JP" altLang="en-US" smtClean="0"/>
-              <a:t>2024/3/31</a:t>
+              <a:t>2024/7/25</a:t>
             </a:fld>
             <a:endParaRPr kumimoji="1" lang="ja-JP" altLang="en-US"/>
           </a:p>
@@ -11115,7 +11115,7 @@
           <a:p>
             <a:fld id="{E34AB8A0-CB7D-AA4F-ADA7-48A831E2DB24}" type="datetime1">
               <a:rPr kumimoji="1" lang="ja-JP" altLang="en-US" smtClean="0"/>
-              <a:t>2024/3/31</a:t>
+              <a:t>2024/7/25</a:t>
             </a:fld>
             <a:endParaRPr kumimoji="1" lang="ja-JP" altLang="en-US"/>
           </a:p>
@@ -11358,7 +11358,7 @@
           <a:p>
             <a:fld id="{F1E64B19-EACE-EC41-91EF-E5811185D0B2}" type="datetime1">
               <a:rPr kumimoji="1" lang="ja-JP" altLang="en-US" smtClean="0"/>
-              <a:t>2024/3/31</a:t>
+              <a:t>2024/7/25</a:t>
             </a:fld>
             <a:endParaRPr kumimoji="1" lang="ja-JP" altLang="en-US"/>
           </a:p>
@@ -11749,69 +11749,14 @@
         </p:nvSpPr>
         <p:spPr>
           <a:xfrm>
-            <a:off x="9853" y="152077"/>
-            <a:ext cx="6756554" cy="1739233"/>
+            <a:off x="1042763" y="216523"/>
+            <a:ext cx="2295297" cy="6539878"/>
           </a:xfrm>
           <a:prstGeom prst="rect">
             <a:avLst/>
           </a:prstGeom>
           <a:solidFill>
-            <a:schemeClr val="accent2">
-              <a:alpha val="40213"/>
-            </a:schemeClr>
-          </a:solidFill>
-          <a:ln>
-            <a:noFill/>
-          </a:ln>
-          <a:effectLst/>
-        </p:spPr>
-        <p:style>
-          <a:lnRef idx="1">
-            <a:schemeClr val="accent1"/>
-          </a:lnRef>
-          <a:fillRef idx="3">
-            <a:schemeClr val="accent1"/>
-          </a:fillRef>
-          <a:effectRef idx="2">
-            <a:schemeClr val="accent1"/>
-          </a:effectRef>
-          <a:fontRef idx="minor">
-            <a:schemeClr val="lt1"/>
-          </a:fontRef>
-        </p:style>
-        <p:txBody>
-          <a:bodyPr rtlCol="0" anchor="ctr"/>
-          <a:lstStyle/>
-          <a:p>
-            <a:pPr algn="ctr"/>
-            <a:endParaRPr kumimoji="1" lang="ja-JP" altLang="en-US"/>
-          </a:p>
-        </p:txBody>
-      </p:sp>
-      <p:sp>
-        <p:nvSpPr>
-          <p:cNvPr id="128" name="正方形/長方形 127">
-            <a:extLst>
-              <a:ext uri="{FF2B5EF4-FFF2-40B4-BE49-F238E27FC236}">
-                <a16:creationId xmlns:a16="http://schemas.microsoft.com/office/drawing/2014/main" id="{E8E0D600-3B72-9437-4D7F-8CD35B46EC8B}"/>
-              </a:ext>
-            </a:extLst>
-          </p:cNvPr>
-          <p:cNvSpPr/>
-          <p:nvPr/>
-        </p:nvSpPr>
-        <p:spPr>
-          <a:xfrm>
-            <a:off x="9852" y="1891143"/>
-            <a:ext cx="2222030" cy="1761061"/>
-          </a:xfrm>
-          <a:prstGeom prst="rect">
-            <a:avLst/>
-          </a:prstGeom>
-          <a:solidFill>
-            <a:schemeClr val="accent2">
-              <a:alpha val="40213"/>
-            </a:schemeClr>
+            <a:srgbClr val="E6B9BA"/>
           </a:solidFill>
           <a:ln>
             <a:noFill/>
@@ -11855,17 +11800,14 @@
         </p:nvSpPr>
         <p:spPr>
           <a:xfrm>
-            <a:off x="2235592" y="1894649"/>
-            <a:ext cx="4530813" cy="1758893"/>
+            <a:off x="3446326" y="3469763"/>
+            <a:ext cx="2356303" cy="3286638"/>
           </a:xfrm>
           <a:prstGeom prst="rect">
             <a:avLst/>
           </a:prstGeom>
           <a:solidFill>
-            <a:schemeClr val="accent5">
-              <a:lumMod val="75000"/>
-              <a:alpha val="40213"/>
-            </a:schemeClr>
+            <a:srgbClr val="ACCED7"/>
           </a:solidFill>
           <a:ln>
             <a:noFill/>
@@ -11909,17 +11851,14 @@
         </p:nvSpPr>
         <p:spPr>
           <a:xfrm>
-            <a:off x="9852" y="3655612"/>
-            <a:ext cx="2222030" cy="1749897"/>
+            <a:off x="3452713" y="6794234"/>
+            <a:ext cx="2356302" cy="1749897"/>
           </a:xfrm>
           <a:prstGeom prst="rect">
             <a:avLst/>
           </a:prstGeom>
           <a:solidFill>
-            <a:schemeClr val="accent6">
-              <a:lumMod val="75000"/>
-              <a:alpha val="40213"/>
-            </a:schemeClr>
+            <a:srgbClr val="FFF9C2"/>
           </a:solidFill>
           <a:ln>
             <a:noFill/>
@@ -11963,16 +11902,14 @@
         </p:nvSpPr>
         <p:spPr>
           <a:xfrm>
-            <a:off x="2235060" y="3657884"/>
-            <a:ext cx="2345787" cy="1749897"/>
+            <a:off x="3449654" y="216714"/>
+            <a:ext cx="2352975" cy="3253049"/>
           </a:xfrm>
           <a:prstGeom prst="rect">
             <a:avLst/>
           </a:prstGeom>
           <a:solidFill>
-            <a:schemeClr val="accent2">
-              <a:alpha val="40213"/>
-            </a:schemeClr>
+            <a:srgbClr val="E6B9BA"/>
           </a:solidFill>
           <a:ln>
             <a:noFill/>
@@ -12016,7 +11953,7 @@
         </p:nvSpPr>
         <p:spPr>
           <a:xfrm>
-            <a:off x="47503" y="157143"/>
+            <a:off x="1040532" y="217980"/>
             <a:ext cx="518091" cy="246221"/>
           </a:xfrm>
           <a:prstGeom prst="rect">
@@ -12058,7 +11995,7 @@
         </p:nvSpPr>
         <p:spPr>
           <a:xfrm>
-            <a:off x="2231732" y="157143"/>
+            <a:off x="1040531" y="1828818"/>
             <a:ext cx="518091" cy="246221"/>
           </a:xfrm>
           <a:prstGeom prst="rect">
@@ -12100,7 +12037,7 @@
         </p:nvSpPr>
         <p:spPr>
           <a:xfrm>
-            <a:off x="4415961" y="157143"/>
+            <a:off x="1040532" y="5054609"/>
             <a:ext cx="481222" cy="246221"/>
           </a:xfrm>
           <a:prstGeom prst="rect">
@@ -12142,7 +12079,7 @@
         </p:nvSpPr>
         <p:spPr>
           <a:xfrm>
-            <a:off x="38528" y="1905233"/>
+            <a:off x="1071438" y="3436429"/>
             <a:ext cx="569387" cy="246221"/>
           </a:xfrm>
           <a:prstGeom prst="rect">
@@ -12184,7 +12121,7 @@
         </p:nvSpPr>
         <p:spPr>
           <a:xfrm>
-            <a:off x="2231732" y="1912236"/>
+            <a:off x="3442466" y="3431930"/>
             <a:ext cx="511679" cy="246221"/>
           </a:xfrm>
           <a:prstGeom prst="rect">
@@ -12226,7 +12163,7 @@
         </p:nvSpPr>
         <p:spPr>
           <a:xfrm>
-            <a:off x="4415961" y="1912236"/>
+            <a:off x="3391336" y="5053107"/>
             <a:ext cx="490840" cy="246221"/>
           </a:xfrm>
           <a:prstGeom prst="rect">
@@ -12268,7 +12205,7 @@
         </p:nvSpPr>
         <p:spPr>
           <a:xfrm>
-            <a:off x="47503" y="3671129"/>
+            <a:off x="3490364" y="6809751"/>
             <a:ext cx="526106" cy="246221"/>
           </a:xfrm>
           <a:prstGeom prst="rect">
@@ -12310,7 +12247,7 @@
         </p:nvSpPr>
         <p:spPr>
           <a:xfrm>
-            <a:off x="2231732" y="3671129"/>
+            <a:off x="3446326" y="216523"/>
             <a:ext cx="495649" cy="246221"/>
           </a:xfrm>
           <a:prstGeom prst="rect">
@@ -12352,7 +12289,7 @@
         </p:nvSpPr>
         <p:spPr>
           <a:xfrm>
-            <a:off x="45604" y="5459662"/>
+            <a:off x="1055961" y="6785767"/>
             <a:ext cx="526106" cy="246221"/>
           </a:xfrm>
           <a:prstGeom prst="rect">
@@ -12402,7 +12339,7 @@
         </p:blipFill>
         <p:spPr>
           <a:xfrm>
-            <a:off x="91595" y="413828"/>
+            <a:off x="1124505" y="447696"/>
             <a:ext cx="2087220" cy="1391480"/>
           </a:xfrm>
           <a:prstGeom prst="rect">
@@ -12432,7 +12369,7 @@
         </p:blipFill>
         <p:spPr>
           <a:xfrm>
-            <a:off x="2339296" y="413828"/>
+            <a:off x="1121011" y="2048176"/>
             <a:ext cx="2087220" cy="1391480"/>
           </a:xfrm>
           <a:prstGeom prst="rect">
@@ -12462,7 +12399,7 @@
         </p:blipFill>
         <p:spPr>
           <a:xfrm>
-            <a:off x="4552851" y="402378"/>
+            <a:off x="1177422" y="5299844"/>
             <a:ext cx="2087220" cy="1391480"/>
           </a:xfrm>
           <a:prstGeom prst="rect">
@@ -12492,7 +12429,7 @@
         </p:blipFill>
         <p:spPr>
           <a:xfrm>
-            <a:off x="2339296" y="2153061"/>
+            <a:off x="3550030" y="3663599"/>
             <a:ext cx="2119470" cy="1412980"/>
           </a:xfrm>
           <a:prstGeom prst="rect">
@@ -12522,7 +12459,7 @@
         </p:blipFill>
         <p:spPr>
           <a:xfrm>
-            <a:off x="93372" y="2172170"/>
+            <a:off x="1126282" y="3685876"/>
             <a:ext cx="2085443" cy="1364891"/>
           </a:xfrm>
           <a:prstGeom prst="rect">
@@ -12552,7 +12489,7 @@
         </p:blipFill>
         <p:spPr>
           <a:xfrm>
-            <a:off x="4568972" y="2146766"/>
+            <a:off x="3561838" y="5282770"/>
             <a:ext cx="2119470" cy="1412980"/>
           </a:xfrm>
           <a:prstGeom prst="rect">
@@ -12582,7 +12519,7 @@
         </p:blipFill>
         <p:spPr>
           <a:xfrm>
-            <a:off x="79720" y="3917350"/>
+            <a:off x="3566291" y="7055972"/>
             <a:ext cx="2100790" cy="1374936"/>
           </a:xfrm>
           <a:prstGeom prst="rect">
@@ -12612,7 +12549,7 @@
         </p:blipFill>
         <p:spPr>
           <a:xfrm>
-            <a:off x="2342347" y="3912582"/>
+            <a:off x="3556941" y="441813"/>
             <a:ext cx="2096044" cy="1397363"/>
           </a:xfrm>
           <a:prstGeom prst="rect">
@@ -12642,7 +12579,7 @@
         </p:blipFill>
         <p:spPr>
           <a:xfrm>
-            <a:off x="79720" y="5695022"/>
+            <a:off x="1090077" y="7021127"/>
             <a:ext cx="2214368" cy="1476245"/>
           </a:xfrm>
           <a:prstGeom prst="rect">
@@ -12664,7 +12601,7 @@
         </p:nvSpPr>
         <p:spPr>
           <a:xfrm>
-            <a:off x="1644639" y="236758"/>
+            <a:off x="2677549" y="270626"/>
             <a:ext cx="636713" cy="215444"/>
           </a:xfrm>
           <a:prstGeom prst="rect">
@@ -12720,7 +12657,7 @@
         </p:nvSpPr>
         <p:spPr>
           <a:xfrm>
-            <a:off x="3900520" y="236758"/>
+            <a:off x="2748520" y="1862335"/>
             <a:ext cx="636713" cy="215444"/>
           </a:xfrm>
           <a:prstGeom prst="rect">
@@ -12776,7 +12713,7 @@
         </p:nvSpPr>
         <p:spPr>
           <a:xfrm>
-            <a:off x="6113442" y="236758"/>
+            <a:off x="2738013" y="5134224"/>
             <a:ext cx="636713" cy="215444"/>
           </a:xfrm>
           <a:prstGeom prst="rect">
@@ -12832,7 +12769,7 @@
         </p:nvSpPr>
         <p:spPr>
           <a:xfrm>
-            <a:off x="1644639" y="1978690"/>
+            <a:off x="2677549" y="3496199"/>
             <a:ext cx="636713" cy="215444"/>
           </a:xfrm>
           <a:prstGeom prst="rect">
@@ -12888,7 +12825,7 @@
         </p:nvSpPr>
         <p:spPr>
           <a:xfrm>
-            <a:off x="3900520" y="1978690"/>
+            <a:off x="5111254" y="3472177"/>
             <a:ext cx="636713" cy="215444"/>
           </a:xfrm>
           <a:prstGeom prst="rect">
@@ -12944,7 +12881,7 @@
         </p:nvSpPr>
         <p:spPr>
           <a:xfrm>
-            <a:off x="6113442" y="1978690"/>
+            <a:off x="5144994" y="5100818"/>
             <a:ext cx="636713" cy="215444"/>
           </a:xfrm>
           <a:prstGeom prst="rect">
@@ -13000,7 +12937,7 @@
         </p:nvSpPr>
         <p:spPr>
           <a:xfrm>
-            <a:off x="1644639" y="3739033"/>
+            <a:off x="5131210" y="6877655"/>
             <a:ext cx="636713" cy="215444"/>
           </a:xfrm>
           <a:prstGeom prst="rect">
@@ -13056,7 +12993,7 @@
         </p:nvSpPr>
         <p:spPr>
           <a:xfrm>
-            <a:off x="3900520" y="3739033"/>
+            <a:off x="5087500" y="270626"/>
             <a:ext cx="636713" cy="215444"/>
           </a:xfrm>
           <a:prstGeom prst="rect">
@@ -13112,7 +13049,7 @@
         </p:nvSpPr>
         <p:spPr>
           <a:xfrm>
-            <a:off x="1642770" y="5550590"/>
+            <a:off x="2653127" y="6876695"/>
             <a:ext cx="636713" cy="215444"/>
           </a:xfrm>
           <a:prstGeom prst="rect">
@@ -13154,6 +13091,218 @@
           </a:p>
         </p:txBody>
       </p:sp>
+      <p:sp>
+        <p:nvSpPr>
+          <p:cNvPr id="16" name="テキスト ボックス 15">
+            <a:extLst>
+              <a:ext uri="{FF2B5EF4-FFF2-40B4-BE49-F238E27FC236}">
+                <a16:creationId xmlns:a16="http://schemas.microsoft.com/office/drawing/2014/main" id="{1FFA8294-F604-F2B9-B44C-677AD7FAAE94}"/>
+              </a:ext>
+            </a:extLst>
+          </p:cNvPr>
+          <p:cNvSpPr txBox="1"/>
+          <p:nvPr/>
+        </p:nvSpPr>
+        <p:spPr>
+          <a:xfrm>
+            <a:off x="3446326" y="1843143"/>
+            <a:ext cx="526106" cy="246221"/>
+          </a:xfrm>
+          <a:prstGeom prst="rect">
+            <a:avLst/>
+          </a:prstGeom>
+          <a:noFill/>
+        </p:spPr>
+        <p:txBody>
+          <a:bodyPr wrap="none" rtlCol="0">
+            <a:spAutoFit/>
+          </a:bodyPr>
+          <a:lstStyle/>
+          <a:p>
+            <a:r>
+              <a:rPr kumimoji="1" lang="en-US" altLang="ja-JP" sz="1000" dirty="0">
+                <a:latin typeface="Arial" panose="020B0604020202020204" pitchFamily="34" charset="0"/>
+                <a:cs typeface="Arial" panose="020B0604020202020204" pitchFamily="34" charset="0"/>
+              </a:rPr>
+              <a:t>1M1C</a:t>
+            </a:r>
+            <a:endParaRPr kumimoji="1" lang="ja-JP" altLang="en-US" sz="1000">
+              <a:latin typeface="Arial" panose="020B0604020202020204" pitchFamily="34" charset="0"/>
+              <a:cs typeface="Arial" panose="020B0604020202020204" pitchFamily="34" charset="0"/>
+            </a:endParaRPr>
+          </a:p>
+        </p:txBody>
+      </p:sp>
+      <p:sp>
+        <p:nvSpPr>
+          <p:cNvPr id="17" name="テキスト ボックス 16">
+            <a:extLst>
+              <a:ext uri="{FF2B5EF4-FFF2-40B4-BE49-F238E27FC236}">
+                <a16:creationId xmlns:a16="http://schemas.microsoft.com/office/drawing/2014/main" id="{8F7819C2-9708-FAB2-DFBF-ED0E858A4543}"/>
+              </a:ext>
+            </a:extLst>
+          </p:cNvPr>
+          <p:cNvSpPr txBox="1"/>
+          <p:nvPr/>
+        </p:nvSpPr>
+        <p:spPr>
+          <a:xfrm>
+            <a:off x="5087500" y="1897246"/>
+            <a:ext cx="636713" cy="215444"/>
+          </a:xfrm>
+          <a:prstGeom prst="rect">
+            <a:avLst/>
+          </a:prstGeom>
+          <a:noFill/>
+        </p:spPr>
+        <p:txBody>
+          <a:bodyPr wrap="none" rtlCol="0">
+            <a:spAutoFit/>
+          </a:bodyPr>
+          <a:lstStyle/>
+          <a:p>
+            <a:r>
+              <a:rPr kumimoji="1" lang="en-US" altLang="ja-JP" sz="800" dirty="0">
+                <a:latin typeface="Arial" panose="020B0604020202020204" pitchFamily="34" charset="0"/>
+                <a:cs typeface="Arial" panose="020B0604020202020204" pitchFamily="34" charset="0"/>
+              </a:rPr>
+              <a:t>RMSD [</a:t>
+            </a:r>
+            <a:r>
+              <a:rPr kumimoji="1" lang="en-US" altLang="ja-JP" sz="800" dirty="0" err="1">
+                <a:latin typeface="Arial" panose="020B0604020202020204" pitchFamily="34" charset="0"/>
+                <a:cs typeface="Arial" panose="020B0604020202020204" pitchFamily="34" charset="0"/>
+              </a:rPr>
+              <a:t>Å</a:t>
+            </a:r>
+            <a:r>
+              <a:rPr kumimoji="1" lang="en-US" altLang="ja-JP" sz="800" dirty="0">
+                <a:latin typeface="Arial" panose="020B0604020202020204" pitchFamily="34" charset="0"/>
+                <a:cs typeface="Arial" panose="020B0604020202020204" pitchFamily="34" charset="0"/>
+              </a:rPr>
+              <a:t>]</a:t>
+            </a:r>
+            <a:endParaRPr kumimoji="1" lang="ja-JP" altLang="en-US" sz="800">
+              <a:latin typeface="Arial" panose="020B0604020202020204" pitchFamily="34" charset="0"/>
+              <a:cs typeface="Arial" panose="020B0604020202020204" pitchFamily="34" charset="0"/>
+            </a:endParaRPr>
+          </a:p>
+        </p:txBody>
+      </p:sp>
+      <p:sp>
+        <p:nvSpPr>
+          <p:cNvPr id="21" name="テキスト ボックス 20">
+            <a:extLst>
+              <a:ext uri="{FF2B5EF4-FFF2-40B4-BE49-F238E27FC236}">
+                <a16:creationId xmlns:a16="http://schemas.microsoft.com/office/drawing/2014/main" id="{287FA1DD-C6BE-A19B-FA16-AD9ED3FBB0FC}"/>
+              </a:ext>
+            </a:extLst>
+          </p:cNvPr>
+          <p:cNvSpPr txBox="1"/>
+          <p:nvPr/>
+        </p:nvSpPr>
+        <p:spPr>
+          <a:xfrm>
+            <a:off x="993728" y="9227"/>
+            <a:ext cx="713657" cy="246221"/>
+          </a:xfrm>
+          <a:prstGeom prst="rect">
+            <a:avLst/>
+          </a:prstGeom>
+          <a:noFill/>
+        </p:spPr>
+        <p:txBody>
+          <a:bodyPr wrap="none" rtlCol="0">
+            <a:spAutoFit/>
+          </a:bodyPr>
+          <a:lstStyle/>
+          <a:p>
+            <a:r>
+              <a:rPr kumimoji="1" lang="en-US" altLang="ja-JP" sz="1000" dirty="0">
+                <a:latin typeface="Arial" panose="020B0604020202020204" pitchFamily="34" charset="0"/>
+                <a:cs typeface="Arial" panose="020B0604020202020204" pitchFamily="34" charset="0"/>
+              </a:rPr>
+              <a:t>Left hand</a:t>
+            </a:r>
+            <a:endParaRPr kumimoji="1" lang="ja-JP" altLang="en-US" sz="1000">
+              <a:latin typeface="Arial" panose="020B0604020202020204" pitchFamily="34" charset="0"/>
+              <a:cs typeface="Arial" panose="020B0604020202020204" pitchFamily="34" charset="0"/>
+            </a:endParaRPr>
+          </a:p>
+        </p:txBody>
+      </p:sp>
+      <p:sp>
+        <p:nvSpPr>
+          <p:cNvPr id="23" name="テキスト ボックス 22">
+            <a:extLst>
+              <a:ext uri="{FF2B5EF4-FFF2-40B4-BE49-F238E27FC236}">
+                <a16:creationId xmlns:a16="http://schemas.microsoft.com/office/drawing/2014/main" id="{89A6C813-0242-DA9C-C1B4-853184AAB3CD}"/>
+              </a:ext>
+            </a:extLst>
+          </p:cNvPr>
+          <p:cNvSpPr txBox="1"/>
+          <p:nvPr/>
+        </p:nvSpPr>
+        <p:spPr>
+          <a:xfrm>
+            <a:off x="3363257" y="14049"/>
+            <a:ext cx="800219" cy="246221"/>
+          </a:xfrm>
+          <a:prstGeom prst="rect">
+            <a:avLst/>
+          </a:prstGeom>
+          <a:noFill/>
+        </p:spPr>
+        <p:txBody>
+          <a:bodyPr wrap="none" rtlCol="0">
+            <a:spAutoFit/>
+          </a:bodyPr>
+          <a:lstStyle/>
+          <a:p>
+            <a:r>
+              <a:rPr kumimoji="1" lang="en-US" altLang="ja-JP" sz="1000" dirty="0">
+                <a:latin typeface="Arial" panose="020B0604020202020204" pitchFamily="34" charset="0"/>
+                <a:cs typeface="Arial" panose="020B0604020202020204" pitchFamily="34" charset="0"/>
+              </a:rPr>
+              <a:t>Right hand</a:t>
+            </a:r>
+            <a:endParaRPr kumimoji="1" lang="ja-JP" altLang="en-US" sz="1000">
+              <a:latin typeface="Arial" panose="020B0604020202020204" pitchFamily="34" charset="0"/>
+              <a:cs typeface="Arial" panose="020B0604020202020204" pitchFamily="34" charset="0"/>
+            </a:endParaRPr>
+          </a:p>
+        </p:txBody>
+      </p:sp>
+      <p:pic>
+        <p:nvPicPr>
+          <p:cNvPr id="15" name="図 14">
+            <a:extLst>
+              <a:ext uri="{FF2B5EF4-FFF2-40B4-BE49-F238E27FC236}">
+                <a16:creationId xmlns:a16="http://schemas.microsoft.com/office/drawing/2014/main" id="{9DE4C0F0-40B3-304E-5D54-92EB257DAEB0}"/>
+              </a:ext>
+            </a:extLst>
+          </p:cNvPr>
+          <p:cNvPicPr>
+            <a:picLocks noChangeAspect="1"/>
+          </p:cNvPicPr>
+          <p:nvPr/>
+        </p:nvPicPr>
+        <p:blipFill>
+          <a:blip r:embed="rId12"/>
+          <a:stretch>
+            <a:fillRect/>
+          </a:stretch>
+        </p:blipFill>
+        <p:spPr>
+          <a:xfrm>
+            <a:off x="3556941" y="2048176"/>
+            <a:ext cx="2086489" cy="1390993"/>
+          </a:xfrm>
+          <a:prstGeom prst="rect">
+            <a:avLst/>
+          </a:prstGeom>
+        </p:spPr>
+      </p:pic>
     </p:spTree>
     <p:extLst>
       <p:ext uri="{BB962C8B-B14F-4D97-AF65-F5344CB8AC3E}">

--- a/figures/FigS07.pptx
+++ b/figures/FigS07.pptx
@@ -7923,7 +7923,7 @@
           <a:p>
             <a:fld id="{7D22E5B2-9439-374A-B1E6-D8F9BBAFF71C}" type="datetimeFigureOut">
               <a:rPr kumimoji="1" lang="ja-JP" altLang="en-US" smtClean="0"/>
-              <a:t>2024/7/25</a:t>
+              <a:t>2024/7/29</a:t>
             </a:fld>
             <a:endParaRPr kumimoji="1" lang="ja-JP" altLang="en-US"/>
           </a:p>
@@ -8089,7 +8089,7 @@
           <a:p>
             <a:fld id="{EC1B1D34-CDA3-9948-B5AE-50FEAE2084F0}" type="datetimeFigureOut">
               <a:rPr kumimoji="1" lang="ja-JP" altLang="en-US" smtClean="0"/>
-              <a:t>2024/7/25</a:t>
+              <a:t>2024/7/29</a:t>
             </a:fld>
             <a:endParaRPr kumimoji="1" lang="ja-JP" altLang="en-US"/>
           </a:p>
@@ -8652,7 +8652,7 @@
           <a:p>
             <a:fld id="{DC18BD2E-9994-4E40-B328-49497B6525F5}" type="datetime1">
               <a:rPr kumimoji="1" lang="ja-JP" altLang="en-US" smtClean="0"/>
-              <a:t>2024/7/25</a:t>
+              <a:t>2024/7/29</a:t>
             </a:fld>
             <a:endParaRPr kumimoji="1" lang="ja-JP" altLang="en-US"/>
           </a:p>
@@ -8857,7 +8857,7 @@
           <a:p>
             <a:fld id="{ED32B4BE-600B-C746-92A1-96A3DB0F6359}" type="datetime1">
               <a:rPr kumimoji="1" lang="ja-JP" altLang="en-US" smtClean="0"/>
-              <a:t>2024/7/25</a:t>
+              <a:t>2024/7/29</a:t>
             </a:fld>
             <a:endParaRPr kumimoji="1" lang="ja-JP" altLang="en-US"/>
           </a:p>
@@ -9067,7 +9067,7 @@
           <a:p>
             <a:fld id="{957D4E43-ADDF-6B4C-A3A0-9FC11541FF6B}" type="datetime1">
               <a:rPr kumimoji="1" lang="ja-JP" altLang="en-US" smtClean="0"/>
-              <a:t>2024/7/25</a:t>
+              <a:t>2024/7/29</a:t>
             </a:fld>
             <a:endParaRPr kumimoji="1" lang="ja-JP" altLang="en-US"/>
           </a:p>
@@ -9267,7 +9267,7 @@
           <a:p>
             <a:fld id="{3ACE8623-A191-244D-9912-2788CD9AA0AB}" type="datetime1">
               <a:rPr kumimoji="1" lang="ja-JP" altLang="en-US" smtClean="0"/>
-              <a:t>2024/7/25</a:t>
+              <a:t>2024/7/29</a:t>
             </a:fld>
             <a:endParaRPr kumimoji="1" lang="ja-JP" altLang="en-US"/>
           </a:p>
@@ -9512,7 +9512,7 @@
           <a:p>
             <a:fld id="{ACF1CE24-2BE2-7F4A-9EE8-57950BD5865D}" type="datetime1">
               <a:rPr kumimoji="1" lang="ja-JP" altLang="en-US" smtClean="0"/>
-              <a:t>2024/7/25</a:t>
+              <a:t>2024/7/29</a:t>
             </a:fld>
             <a:endParaRPr kumimoji="1" lang="ja-JP" altLang="en-US"/>
           </a:p>
@@ -9861,7 +9861,7 @@
           <a:p>
             <a:fld id="{EC5917E1-143D-0147-AA4C-23A15708FCF1}" type="datetime1">
               <a:rPr kumimoji="1" lang="ja-JP" altLang="en-US" smtClean="0"/>
-              <a:t>2024/7/25</a:t>
+              <a:t>2024/7/29</a:t>
             </a:fld>
             <a:endParaRPr kumimoji="1" lang="ja-JP" altLang="en-US"/>
           </a:p>
@@ -10344,7 +10344,7 @@
           <a:p>
             <a:fld id="{040ED48A-E57C-F94E-B195-A02F52AC0C3F}" type="datetime1">
               <a:rPr kumimoji="1" lang="ja-JP" altLang="en-US" smtClean="0"/>
-              <a:t>2024/7/25</a:t>
+              <a:t>2024/7/29</a:t>
             </a:fld>
             <a:endParaRPr kumimoji="1" lang="ja-JP" altLang="en-US"/>
           </a:p>
@@ -10461,7 +10461,7 @@
           <a:p>
             <a:fld id="{6BFE0B55-0AB2-0749-8D75-4BC4FEF9C817}" type="datetime1">
               <a:rPr kumimoji="1" lang="ja-JP" altLang="en-US" smtClean="0"/>
-              <a:t>2024/7/25</a:t>
+              <a:t>2024/7/29</a:t>
             </a:fld>
             <a:endParaRPr kumimoji="1" lang="ja-JP" altLang="en-US"/>
           </a:p>
@@ -10556,7 +10556,7 @@
           <a:p>
             <a:fld id="{2C0F5FA4-0109-8247-9BE4-E10501EC04AA}" type="datetime1">
               <a:rPr kumimoji="1" lang="ja-JP" altLang="en-US" smtClean="0"/>
-              <a:t>2024/7/25</a:t>
+              <a:t>2024/7/29</a:t>
             </a:fld>
             <a:endParaRPr kumimoji="1" lang="ja-JP" altLang="en-US"/>
           </a:p>
@@ -10863,7 +10863,7 @@
           <a:p>
             <a:fld id="{8C6B6A4B-2033-7A4E-B3D4-26E50F09F6B4}" type="datetime1">
               <a:rPr kumimoji="1" lang="ja-JP" altLang="en-US" smtClean="0"/>
-              <a:t>2024/7/25</a:t>
+              <a:t>2024/7/29</a:t>
             </a:fld>
             <a:endParaRPr kumimoji="1" lang="ja-JP" altLang="en-US"/>
           </a:p>
@@ -11115,7 +11115,7 @@
           <a:p>
             <a:fld id="{E34AB8A0-CB7D-AA4F-ADA7-48A831E2DB24}" type="datetime1">
               <a:rPr kumimoji="1" lang="ja-JP" altLang="en-US" smtClean="0"/>
-              <a:t>2024/7/25</a:t>
+              <a:t>2024/7/29</a:t>
             </a:fld>
             <a:endParaRPr kumimoji="1" lang="ja-JP" altLang="en-US"/>
           </a:p>
@@ -11358,7 +11358,7 @@
           <a:p>
             <a:fld id="{F1E64B19-EACE-EC41-91EF-E5811185D0B2}" type="datetime1">
               <a:rPr kumimoji="1" lang="ja-JP" altLang="en-US" smtClean="0"/>
-              <a:t>2024/7/25</a:t>
+              <a:t>2024/7/29</a:t>
             </a:fld>
             <a:endParaRPr kumimoji="1" lang="ja-JP" altLang="en-US"/>
           </a:p>
@@ -13297,6 +13297,36 @@
           <a:xfrm>
             <a:off x="3556941" y="2048176"/>
             <a:ext cx="2086489" cy="1390993"/>
+          </a:xfrm>
+          <a:prstGeom prst="rect">
+            <a:avLst/>
+          </a:prstGeom>
+        </p:spPr>
+      </p:pic>
+      <p:pic>
+        <p:nvPicPr>
+          <p:cNvPr id="13" name="図 12">
+            <a:extLst>
+              <a:ext uri="{FF2B5EF4-FFF2-40B4-BE49-F238E27FC236}">
+                <a16:creationId xmlns:a16="http://schemas.microsoft.com/office/drawing/2014/main" id="{BF10D466-717B-48D2-4555-308A247AE156}"/>
+              </a:ext>
+            </a:extLst>
+          </p:cNvPr>
+          <p:cNvPicPr>
+            <a:picLocks noChangeAspect="1"/>
+          </p:cNvPicPr>
+          <p:nvPr/>
+        </p:nvPicPr>
+        <p:blipFill>
+          <a:blip r:embed="rId13"/>
+          <a:stretch>
+            <a:fillRect/>
+          </a:stretch>
+        </p:blipFill>
+        <p:spPr>
+          <a:xfrm>
+            <a:off x="5884942" y="7642078"/>
+            <a:ext cx="962373" cy="788830"/>
           </a:xfrm>
           <a:prstGeom prst="rect">
             <a:avLst/>

--- a/figures/FigS07.pptx
+++ b/figures/FigS07.pptx
@@ -7923,7 +7923,7 @@
           <a:p>
             <a:fld id="{7D22E5B2-9439-374A-B1E6-D8F9BBAFF71C}" type="datetimeFigureOut">
               <a:rPr kumimoji="1" lang="ja-JP" altLang="en-US" smtClean="0"/>
-              <a:t>2024/7/29</a:t>
+              <a:t>2024/10/14</a:t>
             </a:fld>
             <a:endParaRPr kumimoji="1" lang="ja-JP" altLang="en-US"/>
           </a:p>
@@ -8089,7 +8089,7 @@
           <a:p>
             <a:fld id="{EC1B1D34-CDA3-9948-B5AE-50FEAE2084F0}" type="datetimeFigureOut">
               <a:rPr kumimoji="1" lang="ja-JP" altLang="en-US" smtClean="0"/>
-              <a:t>2024/7/29</a:t>
+              <a:t>2024/10/14</a:t>
             </a:fld>
             <a:endParaRPr kumimoji="1" lang="ja-JP" altLang="en-US"/>
           </a:p>
@@ -8652,7 +8652,7 @@
           <a:p>
             <a:fld id="{DC18BD2E-9994-4E40-B328-49497B6525F5}" type="datetime1">
               <a:rPr kumimoji="1" lang="ja-JP" altLang="en-US" smtClean="0"/>
-              <a:t>2024/7/29</a:t>
+              <a:t>2024/10/14</a:t>
             </a:fld>
             <a:endParaRPr kumimoji="1" lang="ja-JP" altLang="en-US"/>
           </a:p>
@@ -8857,7 +8857,7 @@
           <a:p>
             <a:fld id="{ED32B4BE-600B-C746-92A1-96A3DB0F6359}" type="datetime1">
               <a:rPr kumimoji="1" lang="ja-JP" altLang="en-US" smtClean="0"/>
-              <a:t>2024/7/29</a:t>
+              <a:t>2024/10/14</a:t>
             </a:fld>
             <a:endParaRPr kumimoji="1" lang="ja-JP" altLang="en-US"/>
           </a:p>
@@ -9067,7 +9067,7 @@
           <a:p>
             <a:fld id="{957D4E43-ADDF-6B4C-A3A0-9FC11541FF6B}" type="datetime1">
               <a:rPr kumimoji="1" lang="ja-JP" altLang="en-US" smtClean="0"/>
-              <a:t>2024/7/29</a:t>
+              <a:t>2024/10/14</a:t>
             </a:fld>
             <a:endParaRPr kumimoji="1" lang="ja-JP" altLang="en-US"/>
           </a:p>
@@ -9267,7 +9267,7 @@
           <a:p>
             <a:fld id="{3ACE8623-A191-244D-9912-2788CD9AA0AB}" type="datetime1">
               <a:rPr kumimoji="1" lang="ja-JP" altLang="en-US" smtClean="0"/>
-              <a:t>2024/7/29</a:t>
+              <a:t>2024/10/14</a:t>
             </a:fld>
             <a:endParaRPr kumimoji="1" lang="ja-JP" altLang="en-US"/>
           </a:p>
@@ -9512,7 +9512,7 @@
           <a:p>
             <a:fld id="{ACF1CE24-2BE2-7F4A-9EE8-57950BD5865D}" type="datetime1">
               <a:rPr kumimoji="1" lang="ja-JP" altLang="en-US" smtClean="0"/>
-              <a:t>2024/7/29</a:t>
+              <a:t>2024/10/14</a:t>
             </a:fld>
             <a:endParaRPr kumimoji="1" lang="ja-JP" altLang="en-US"/>
           </a:p>
@@ -9861,7 +9861,7 @@
           <a:p>
             <a:fld id="{EC5917E1-143D-0147-AA4C-23A15708FCF1}" type="datetime1">
               <a:rPr kumimoji="1" lang="ja-JP" altLang="en-US" smtClean="0"/>
-              <a:t>2024/7/29</a:t>
+              <a:t>2024/10/14</a:t>
             </a:fld>
             <a:endParaRPr kumimoji="1" lang="ja-JP" altLang="en-US"/>
           </a:p>
@@ -10344,7 +10344,7 @@
           <a:p>
             <a:fld id="{040ED48A-E57C-F94E-B195-A02F52AC0C3F}" type="datetime1">
               <a:rPr kumimoji="1" lang="ja-JP" altLang="en-US" smtClean="0"/>
-              <a:t>2024/7/29</a:t>
+              <a:t>2024/10/14</a:t>
             </a:fld>
             <a:endParaRPr kumimoji="1" lang="ja-JP" altLang="en-US"/>
           </a:p>
@@ -10461,7 +10461,7 @@
           <a:p>
             <a:fld id="{6BFE0B55-0AB2-0749-8D75-4BC4FEF9C817}" type="datetime1">
               <a:rPr kumimoji="1" lang="ja-JP" altLang="en-US" smtClean="0"/>
-              <a:t>2024/7/29</a:t>
+              <a:t>2024/10/14</a:t>
             </a:fld>
             <a:endParaRPr kumimoji="1" lang="ja-JP" altLang="en-US"/>
           </a:p>
@@ -10556,7 +10556,7 @@
           <a:p>
             <a:fld id="{2C0F5FA4-0109-8247-9BE4-E10501EC04AA}" type="datetime1">
               <a:rPr kumimoji="1" lang="ja-JP" altLang="en-US" smtClean="0"/>
-              <a:t>2024/7/29</a:t>
+              <a:t>2024/10/14</a:t>
             </a:fld>
             <a:endParaRPr kumimoji="1" lang="ja-JP" altLang="en-US"/>
           </a:p>
@@ -10863,7 +10863,7 @@
           <a:p>
             <a:fld id="{8C6B6A4B-2033-7A4E-B3D4-26E50F09F6B4}" type="datetime1">
               <a:rPr kumimoji="1" lang="ja-JP" altLang="en-US" smtClean="0"/>
-              <a:t>2024/7/29</a:t>
+              <a:t>2024/10/14</a:t>
             </a:fld>
             <a:endParaRPr kumimoji="1" lang="ja-JP" altLang="en-US"/>
           </a:p>
@@ -11115,7 +11115,7 @@
           <a:p>
             <a:fld id="{E34AB8A0-CB7D-AA4F-ADA7-48A831E2DB24}" type="datetime1">
               <a:rPr kumimoji="1" lang="ja-JP" altLang="en-US" smtClean="0"/>
-              <a:t>2024/7/29</a:t>
+              <a:t>2024/10/14</a:t>
             </a:fld>
             <a:endParaRPr kumimoji="1" lang="ja-JP" altLang="en-US"/>
           </a:p>
@@ -11358,7 +11358,7 @@
           <a:p>
             <a:fld id="{F1E64B19-EACE-EC41-91EF-E5811185D0B2}" type="datetime1">
               <a:rPr kumimoji="1" lang="ja-JP" altLang="en-US" smtClean="0"/>
-              <a:t>2024/7/29</a:t>
+              <a:t>2024/10/14</a:t>
             </a:fld>
             <a:endParaRPr kumimoji="1" lang="ja-JP" altLang="en-US"/>
           </a:p>
@@ -12317,276 +12317,6 @@
           </a:p>
         </p:txBody>
       </p:sp>
-      <p:pic>
-        <p:nvPicPr>
-          <p:cNvPr id="4" name="図 3">
-            <a:extLst>
-              <a:ext uri="{FF2B5EF4-FFF2-40B4-BE49-F238E27FC236}">
-                <a16:creationId xmlns:a16="http://schemas.microsoft.com/office/drawing/2014/main" id="{9DAF3149-44CA-1426-5F87-7C53170B0DED}"/>
-              </a:ext>
-            </a:extLst>
-          </p:cNvPr>
-          <p:cNvPicPr>
-            <a:picLocks noChangeAspect="1"/>
-          </p:cNvPicPr>
-          <p:nvPr/>
-        </p:nvPicPr>
-        <p:blipFill>
-          <a:blip r:embed="rId3"/>
-          <a:stretch>
-            <a:fillRect/>
-          </a:stretch>
-        </p:blipFill>
-        <p:spPr>
-          <a:xfrm>
-            <a:off x="1124505" y="447696"/>
-            <a:ext cx="2087220" cy="1391480"/>
-          </a:xfrm>
-          <a:prstGeom prst="rect">
-            <a:avLst/>
-          </a:prstGeom>
-        </p:spPr>
-      </p:pic>
-      <p:pic>
-        <p:nvPicPr>
-          <p:cNvPr id="8" name="図 7">
-            <a:extLst>
-              <a:ext uri="{FF2B5EF4-FFF2-40B4-BE49-F238E27FC236}">
-                <a16:creationId xmlns:a16="http://schemas.microsoft.com/office/drawing/2014/main" id="{6562826D-1361-C304-6DD3-B9DE45F3673E}"/>
-              </a:ext>
-            </a:extLst>
-          </p:cNvPr>
-          <p:cNvPicPr>
-            <a:picLocks noChangeAspect="1"/>
-          </p:cNvPicPr>
-          <p:nvPr/>
-        </p:nvPicPr>
-        <p:blipFill>
-          <a:blip r:embed="rId4"/>
-          <a:stretch>
-            <a:fillRect/>
-          </a:stretch>
-        </p:blipFill>
-        <p:spPr>
-          <a:xfrm>
-            <a:off x="1121011" y="2048176"/>
-            <a:ext cx="2087220" cy="1391480"/>
-          </a:xfrm>
-          <a:prstGeom prst="rect">
-            <a:avLst/>
-          </a:prstGeom>
-        </p:spPr>
-      </p:pic>
-      <p:pic>
-        <p:nvPicPr>
-          <p:cNvPr id="12" name="図 11">
-            <a:extLst>
-              <a:ext uri="{FF2B5EF4-FFF2-40B4-BE49-F238E27FC236}">
-                <a16:creationId xmlns:a16="http://schemas.microsoft.com/office/drawing/2014/main" id="{43637903-A7E7-3402-B83D-1D81030D86C0}"/>
-              </a:ext>
-            </a:extLst>
-          </p:cNvPr>
-          <p:cNvPicPr>
-            <a:picLocks noChangeAspect="1"/>
-          </p:cNvPicPr>
-          <p:nvPr/>
-        </p:nvPicPr>
-        <p:blipFill>
-          <a:blip r:embed="rId5"/>
-          <a:stretch>
-            <a:fillRect/>
-          </a:stretch>
-        </p:blipFill>
-        <p:spPr>
-          <a:xfrm>
-            <a:off x="1177422" y="5299844"/>
-            <a:ext cx="2087220" cy="1391480"/>
-          </a:xfrm>
-          <a:prstGeom prst="rect">
-            <a:avLst/>
-          </a:prstGeom>
-        </p:spPr>
-      </p:pic>
-      <p:pic>
-        <p:nvPicPr>
-          <p:cNvPr id="22" name="図 21">
-            <a:extLst>
-              <a:ext uri="{FF2B5EF4-FFF2-40B4-BE49-F238E27FC236}">
-                <a16:creationId xmlns:a16="http://schemas.microsoft.com/office/drawing/2014/main" id="{6C6E9B44-016F-BD52-C712-67407D7ED100}"/>
-              </a:ext>
-            </a:extLst>
-          </p:cNvPr>
-          <p:cNvPicPr>
-            <a:picLocks noChangeAspect="1"/>
-          </p:cNvPicPr>
-          <p:nvPr/>
-        </p:nvPicPr>
-        <p:blipFill>
-          <a:blip r:embed="rId6"/>
-          <a:stretch>
-            <a:fillRect/>
-          </a:stretch>
-        </p:blipFill>
-        <p:spPr>
-          <a:xfrm>
-            <a:off x="3550030" y="3663599"/>
-            <a:ext cx="2119470" cy="1412980"/>
-          </a:xfrm>
-          <a:prstGeom prst="rect">
-            <a:avLst/>
-          </a:prstGeom>
-        </p:spPr>
-      </p:pic>
-      <p:pic>
-        <p:nvPicPr>
-          <p:cNvPr id="24" name="図 23">
-            <a:extLst>
-              <a:ext uri="{FF2B5EF4-FFF2-40B4-BE49-F238E27FC236}">
-                <a16:creationId xmlns:a16="http://schemas.microsoft.com/office/drawing/2014/main" id="{94055074-A94E-68B2-8E28-AD3350E5D8DD}"/>
-              </a:ext>
-            </a:extLst>
-          </p:cNvPr>
-          <p:cNvPicPr>
-            <a:picLocks noChangeAspect="1"/>
-          </p:cNvPicPr>
-          <p:nvPr/>
-        </p:nvPicPr>
-        <p:blipFill>
-          <a:blip r:embed="rId7"/>
-          <a:stretch>
-            <a:fillRect/>
-          </a:stretch>
-        </p:blipFill>
-        <p:spPr>
-          <a:xfrm>
-            <a:off x="1126282" y="3685876"/>
-            <a:ext cx="2085443" cy="1364891"/>
-          </a:xfrm>
-          <a:prstGeom prst="rect">
-            <a:avLst/>
-          </a:prstGeom>
-        </p:spPr>
-      </p:pic>
-      <p:pic>
-        <p:nvPicPr>
-          <p:cNvPr id="26" name="図 25">
-            <a:extLst>
-              <a:ext uri="{FF2B5EF4-FFF2-40B4-BE49-F238E27FC236}">
-                <a16:creationId xmlns:a16="http://schemas.microsoft.com/office/drawing/2014/main" id="{9113B537-ADE2-5E7A-23BC-7151C6242FB0}"/>
-              </a:ext>
-            </a:extLst>
-          </p:cNvPr>
-          <p:cNvPicPr>
-            <a:picLocks noChangeAspect="1"/>
-          </p:cNvPicPr>
-          <p:nvPr/>
-        </p:nvPicPr>
-        <p:blipFill>
-          <a:blip r:embed="rId8"/>
-          <a:stretch>
-            <a:fillRect/>
-          </a:stretch>
-        </p:blipFill>
-        <p:spPr>
-          <a:xfrm>
-            <a:off x="3561838" y="5282770"/>
-            <a:ext cx="2119470" cy="1412980"/>
-          </a:xfrm>
-          <a:prstGeom prst="rect">
-            <a:avLst/>
-          </a:prstGeom>
-        </p:spPr>
-      </p:pic>
-      <p:pic>
-        <p:nvPicPr>
-          <p:cNvPr id="29" name="図 28">
-            <a:extLst>
-              <a:ext uri="{FF2B5EF4-FFF2-40B4-BE49-F238E27FC236}">
-                <a16:creationId xmlns:a16="http://schemas.microsoft.com/office/drawing/2014/main" id="{9299C58A-B1B3-A502-E89F-9FC368CA4F76}"/>
-              </a:ext>
-            </a:extLst>
-          </p:cNvPr>
-          <p:cNvPicPr>
-            <a:picLocks noChangeAspect="1"/>
-          </p:cNvPicPr>
-          <p:nvPr/>
-        </p:nvPicPr>
-        <p:blipFill>
-          <a:blip r:embed="rId9"/>
-          <a:stretch>
-            <a:fillRect/>
-          </a:stretch>
-        </p:blipFill>
-        <p:spPr>
-          <a:xfrm>
-            <a:off x="3566291" y="7055972"/>
-            <a:ext cx="2100790" cy="1374936"/>
-          </a:xfrm>
-          <a:prstGeom prst="rect">
-            <a:avLst/>
-          </a:prstGeom>
-        </p:spPr>
-      </p:pic>
-      <p:pic>
-        <p:nvPicPr>
-          <p:cNvPr id="34" name="図 33">
-            <a:extLst>
-              <a:ext uri="{FF2B5EF4-FFF2-40B4-BE49-F238E27FC236}">
-                <a16:creationId xmlns:a16="http://schemas.microsoft.com/office/drawing/2014/main" id="{F108DBCB-4266-D805-C45E-F076B164419C}"/>
-              </a:ext>
-            </a:extLst>
-          </p:cNvPr>
-          <p:cNvPicPr>
-            <a:picLocks noChangeAspect="1"/>
-          </p:cNvPicPr>
-          <p:nvPr/>
-        </p:nvPicPr>
-        <p:blipFill>
-          <a:blip r:embed="rId10"/>
-          <a:stretch>
-            <a:fillRect/>
-          </a:stretch>
-        </p:blipFill>
-        <p:spPr>
-          <a:xfrm>
-            <a:off x="3556941" y="441813"/>
-            <a:ext cx="2096044" cy="1397363"/>
-          </a:xfrm>
-          <a:prstGeom prst="rect">
-            <a:avLst/>
-          </a:prstGeom>
-        </p:spPr>
-      </p:pic>
-      <p:pic>
-        <p:nvPicPr>
-          <p:cNvPr id="36" name="図 35">
-            <a:extLst>
-              <a:ext uri="{FF2B5EF4-FFF2-40B4-BE49-F238E27FC236}">
-                <a16:creationId xmlns:a16="http://schemas.microsoft.com/office/drawing/2014/main" id="{19EE717F-F4B4-EF85-E604-5CF1D106AACF}"/>
-              </a:ext>
-            </a:extLst>
-          </p:cNvPr>
-          <p:cNvPicPr>
-            <a:picLocks noChangeAspect="1"/>
-          </p:cNvPicPr>
-          <p:nvPr/>
-        </p:nvPicPr>
-        <p:blipFill>
-          <a:blip r:embed="rId11"/>
-          <a:stretch>
-            <a:fillRect/>
-          </a:stretch>
-        </p:blipFill>
-        <p:spPr>
-          <a:xfrm>
-            <a:off x="1090077" y="7021127"/>
-            <a:ext cx="2214368" cy="1476245"/>
-          </a:xfrm>
-          <a:prstGeom prst="rect">
-            <a:avLst/>
-          </a:prstGeom>
-        </p:spPr>
-      </p:pic>
       <p:sp>
         <p:nvSpPr>
           <p:cNvPr id="2" name="テキスト ボックス 1">
@@ -12713,7 +12443,7 @@
         </p:nvSpPr>
         <p:spPr>
           <a:xfrm>
-            <a:off x="2738013" y="5134224"/>
+            <a:off x="2738013" y="5118639"/>
             <a:ext cx="636713" cy="215444"/>
           </a:xfrm>
           <a:prstGeom prst="rect">
@@ -13204,7 +12934,7 @@
         <p:spPr>
           <a:xfrm>
             <a:off x="993728" y="9227"/>
-            <a:ext cx="713657" cy="246221"/>
+            <a:ext cx="862737" cy="246221"/>
           </a:xfrm>
           <a:prstGeom prst="rect">
             <a:avLst/>
@@ -13222,7 +12952,7 @@
                 <a:latin typeface="Arial" panose="020B0604020202020204" pitchFamily="34" charset="0"/>
                 <a:cs typeface="Arial" panose="020B0604020202020204" pitchFamily="34" charset="0"/>
               </a:rPr>
-              <a:t>Left hand</a:t>
+              <a:t>Left-handed</a:t>
             </a:r>
             <a:endParaRPr kumimoji="1" lang="ja-JP" altLang="en-US" sz="1000">
               <a:latin typeface="Arial" panose="020B0604020202020204" pitchFamily="34" charset="0"/>
@@ -13246,7 +12976,7 @@
         <p:spPr>
           <a:xfrm>
             <a:off x="3363257" y="14049"/>
-            <a:ext cx="800219" cy="246221"/>
+            <a:ext cx="949299" cy="246221"/>
           </a:xfrm>
           <a:prstGeom prst="rect">
             <a:avLst/>
@@ -13264,7 +12994,7 @@
                 <a:latin typeface="Arial" panose="020B0604020202020204" pitchFamily="34" charset="0"/>
                 <a:cs typeface="Arial" panose="020B0604020202020204" pitchFamily="34" charset="0"/>
               </a:rPr>
-              <a:t>Right hand</a:t>
+              <a:t>Right-handed</a:t>
             </a:r>
             <a:endParaRPr kumimoji="1" lang="ja-JP" altLang="en-US" sz="1000">
               <a:latin typeface="Arial" panose="020B0604020202020204" pitchFamily="34" charset="0"/>
@@ -13275,10 +13005,280 @@
       </p:sp>
       <p:pic>
         <p:nvPicPr>
-          <p:cNvPr id="15" name="図 14">
+          <p:cNvPr id="13" name="図 12">
             <a:extLst>
               <a:ext uri="{FF2B5EF4-FFF2-40B4-BE49-F238E27FC236}">
-                <a16:creationId xmlns:a16="http://schemas.microsoft.com/office/drawing/2014/main" id="{9DE4C0F0-40B3-304E-5D54-92EB257DAEB0}"/>
+                <a16:creationId xmlns:a16="http://schemas.microsoft.com/office/drawing/2014/main" id="{BF10D466-717B-48D2-4555-308A247AE156}"/>
+              </a:ext>
+            </a:extLst>
+          </p:cNvPr>
+          <p:cNvPicPr>
+            <a:picLocks noChangeAspect="1"/>
+          </p:cNvPicPr>
+          <p:nvPr/>
+        </p:nvPicPr>
+        <p:blipFill>
+          <a:blip r:embed="rId3"/>
+          <a:stretch>
+            <a:fillRect/>
+          </a:stretch>
+        </p:blipFill>
+        <p:spPr>
+          <a:xfrm>
+            <a:off x="5884942" y="7642078"/>
+            <a:ext cx="962373" cy="788830"/>
+          </a:xfrm>
+          <a:prstGeom prst="rect">
+            <a:avLst/>
+          </a:prstGeom>
+        </p:spPr>
+      </p:pic>
+      <p:pic>
+        <p:nvPicPr>
+          <p:cNvPr id="20" name="図 19">
+            <a:extLst>
+              <a:ext uri="{FF2B5EF4-FFF2-40B4-BE49-F238E27FC236}">
+                <a16:creationId xmlns:a16="http://schemas.microsoft.com/office/drawing/2014/main" id="{30A5E8DE-C75A-EC03-E10C-333E454172CF}"/>
+              </a:ext>
+            </a:extLst>
+          </p:cNvPr>
+          <p:cNvPicPr>
+            <a:picLocks noChangeAspect="1"/>
+          </p:cNvPicPr>
+          <p:nvPr/>
+        </p:nvPicPr>
+        <p:blipFill>
+          <a:blip r:embed="rId4"/>
+          <a:stretch>
+            <a:fillRect/>
+          </a:stretch>
+        </p:blipFill>
+        <p:spPr>
+          <a:xfrm>
+            <a:off x="1121011" y="440254"/>
+            <a:ext cx="2090714" cy="1393809"/>
+          </a:xfrm>
+          <a:prstGeom prst="rect">
+            <a:avLst/>
+          </a:prstGeom>
+        </p:spPr>
+      </p:pic>
+      <p:pic>
+        <p:nvPicPr>
+          <p:cNvPr id="27" name="図 26">
+            <a:extLst>
+              <a:ext uri="{FF2B5EF4-FFF2-40B4-BE49-F238E27FC236}">
+                <a16:creationId xmlns:a16="http://schemas.microsoft.com/office/drawing/2014/main" id="{7DB829DB-E0E6-7B82-6270-AFFDA9F148F3}"/>
+              </a:ext>
+            </a:extLst>
+          </p:cNvPr>
+          <p:cNvPicPr>
+            <a:picLocks noChangeAspect="1"/>
+          </p:cNvPicPr>
+          <p:nvPr/>
+        </p:nvPicPr>
+        <p:blipFill>
+          <a:blip r:embed="rId5"/>
+          <a:stretch>
+            <a:fillRect/>
+          </a:stretch>
+        </p:blipFill>
+        <p:spPr>
+          <a:xfrm>
+            <a:off x="1121011" y="2048874"/>
+            <a:ext cx="2085443" cy="1390295"/>
+          </a:xfrm>
+          <a:prstGeom prst="rect">
+            <a:avLst/>
+          </a:prstGeom>
+        </p:spPr>
+      </p:pic>
+      <p:pic>
+        <p:nvPicPr>
+          <p:cNvPr id="31" name="図 30">
+            <a:extLst>
+              <a:ext uri="{FF2B5EF4-FFF2-40B4-BE49-F238E27FC236}">
+                <a16:creationId xmlns:a16="http://schemas.microsoft.com/office/drawing/2014/main" id="{E174439B-9AEC-2BDE-3222-EB2551F66B88}"/>
+              </a:ext>
+            </a:extLst>
+          </p:cNvPr>
+          <p:cNvPicPr>
+            <a:picLocks noChangeAspect="1"/>
+          </p:cNvPicPr>
+          <p:nvPr/>
+        </p:nvPicPr>
+        <p:blipFill>
+          <a:blip r:embed="rId6"/>
+          <a:stretch>
+            <a:fillRect/>
+          </a:stretch>
+        </p:blipFill>
+        <p:spPr>
+          <a:xfrm>
+            <a:off x="1121011" y="3664055"/>
+            <a:ext cx="2081038" cy="1387359"/>
+          </a:xfrm>
+          <a:prstGeom prst="rect">
+            <a:avLst/>
+          </a:prstGeom>
+        </p:spPr>
+      </p:pic>
+      <p:pic>
+        <p:nvPicPr>
+          <p:cNvPr id="33" name="図 32">
+            <a:extLst>
+              <a:ext uri="{FF2B5EF4-FFF2-40B4-BE49-F238E27FC236}">
+                <a16:creationId xmlns:a16="http://schemas.microsoft.com/office/drawing/2014/main" id="{49074362-F0A2-2787-DE05-45BCDAB99471}"/>
+              </a:ext>
+            </a:extLst>
+          </p:cNvPr>
+          <p:cNvPicPr>
+            <a:picLocks noChangeAspect="1"/>
+          </p:cNvPicPr>
+          <p:nvPr/>
+        </p:nvPicPr>
+        <p:blipFill>
+          <a:blip r:embed="rId7"/>
+          <a:stretch>
+            <a:fillRect/>
+          </a:stretch>
+        </p:blipFill>
+        <p:spPr>
+          <a:xfrm>
+            <a:off x="1121012" y="5285430"/>
+            <a:ext cx="2081038" cy="1387359"/>
+          </a:xfrm>
+          <a:prstGeom prst="rect">
+            <a:avLst/>
+          </a:prstGeom>
+        </p:spPr>
+      </p:pic>
+      <p:pic>
+        <p:nvPicPr>
+          <p:cNvPr id="37" name="図 36">
+            <a:extLst>
+              <a:ext uri="{FF2B5EF4-FFF2-40B4-BE49-F238E27FC236}">
+                <a16:creationId xmlns:a16="http://schemas.microsoft.com/office/drawing/2014/main" id="{A61D3B01-84FC-AD64-5AAF-7F7066469D7F}"/>
+              </a:ext>
+            </a:extLst>
+          </p:cNvPr>
+          <p:cNvPicPr>
+            <a:picLocks noChangeAspect="1"/>
+          </p:cNvPicPr>
+          <p:nvPr/>
+        </p:nvPicPr>
+        <p:blipFill>
+          <a:blip r:embed="rId8"/>
+          <a:stretch>
+            <a:fillRect/>
+          </a:stretch>
+        </p:blipFill>
+        <p:spPr>
+          <a:xfrm>
+            <a:off x="3550030" y="438363"/>
+            <a:ext cx="2090714" cy="1393809"/>
+          </a:xfrm>
+          <a:prstGeom prst="rect">
+            <a:avLst/>
+          </a:prstGeom>
+        </p:spPr>
+      </p:pic>
+      <p:pic>
+        <p:nvPicPr>
+          <p:cNvPr id="40" name="図 39">
+            <a:extLst>
+              <a:ext uri="{FF2B5EF4-FFF2-40B4-BE49-F238E27FC236}">
+                <a16:creationId xmlns:a16="http://schemas.microsoft.com/office/drawing/2014/main" id="{CC15FC39-0113-92F6-9801-E56EAD456F8B}"/>
+              </a:ext>
+            </a:extLst>
+          </p:cNvPr>
+          <p:cNvPicPr>
+            <a:picLocks noChangeAspect="1"/>
+          </p:cNvPicPr>
+          <p:nvPr/>
+        </p:nvPicPr>
+        <p:blipFill>
+          <a:blip r:embed="rId9"/>
+          <a:stretch>
+            <a:fillRect/>
+          </a:stretch>
+        </p:blipFill>
+        <p:spPr>
+          <a:xfrm>
+            <a:off x="3549783" y="2048901"/>
+            <a:ext cx="2087923" cy="1391949"/>
+          </a:xfrm>
+          <a:prstGeom prst="rect">
+            <a:avLst/>
+          </a:prstGeom>
+        </p:spPr>
+      </p:pic>
+      <p:pic>
+        <p:nvPicPr>
+          <p:cNvPr id="42" name="図 41">
+            <a:extLst>
+              <a:ext uri="{FF2B5EF4-FFF2-40B4-BE49-F238E27FC236}">
+                <a16:creationId xmlns:a16="http://schemas.microsoft.com/office/drawing/2014/main" id="{8C4D003D-3AA0-FC16-EE4D-64F695BACE2C}"/>
+              </a:ext>
+            </a:extLst>
+          </p:cNvPr>
+          <p:cNvPicPr>
+            <a:picLocks noChangeAspect="1"/>
+          </p:cNvPicPr>
+          <p:nvPr/>
+        </p:nvPicPr>
+        <p:blipFill>
+          <a:blip r:embed="rId10"/>
+          <a:stretch>
+            <a:fillRect/>
+          </a:stretch>
+        </p:blipFill>
+        <p:spPr>
+          <a:xfrm>
+            <a:off x="3553225" y="3660860"/>
+            <a:ext cx="2081038" cy="1387359"/>
+          </a:xfrm>
+          <a:prstGeom prst="rect">
+            <a:avLst/>
+          </a:prstGeom>
+        </p:spPr>
+      </p:pic>
+      <p:pic>
+        <p:nvPicPr>
+          <p:cNvPr id="44" name="図 43">
+            <a:extLst>
+              <a:ext uri="{FF2B5EF4-FFF2-40B4-BE49-F238E27FC236}">
+                <a16:creationId xmlns:a16="http://schemas.microsoft.com/office/drawing/2014/main" id="{E12657DC-16D1-DD62-F4D1-8F7C1D411909}"/>
+              </a:ext>
+            </a:extLst>
+          </p:cNvPr>
+          <p:cNvPicPr>
+            <a:picLocks noChangeAspect="1"/>
+          </p:cNvPicPr>
+          <p:nvPr/>
+        </p:nvPicPr>
+        <p:blipFill>
+          <a:blip r:embed="rId11"/>
+          <a:stretch>
+            <a:fillRect/>
+          </a:stretch>
+        </p:blipFill>
+        <p:spPr>
+          <a:xfrm>
+            <a:off x="3553936" y="5290058"/>
+            <a:ext cx="2074097" cy="1382731"/>
+          </a:xfrm>
+          <a:prstGeom prst="rect">
+            <a:avLst/>
+          </a:prstGeom>
+        </p:spPr>
+      </p:pic>
+      <p:pic>
+        <p:nvPicPr>
+          <p:cNvPr id="47" name="図 46">
+            <a:extLst>
+              <a:ext uri="{FF2B5EF4-FFF2-40B4-BE49-F238E27FC236}">
+                <a16:creationId xmlns:a16="http://schemas.microsoft.com/office/drawing/2014/main" id="{11561610-1BE8-6136-6CC9-94CE957B1A02}"/>
               </a:ext>
             </a:extLst>
           </p:cNvPr>
@@ -13295,8 +13295,8 @@
         </p:blipFill>
         <p:spPr>
           <a:xfrm>
-            <a:off x="3556941" y="2048176"/>
-            <a:ext cx="2086489" cy="1390993"/>
+            <a:off x="1121012" y="7055972"/>
+            <a:ext cx="2081038" cy="1387358"/>
           </a:xfrm>
           <a:prstGeom prst="rect">
             <a:avLst/>
@@ -13305,10 +13305,10 @@
       </p:pic>
       <p:pic>
         <p:nvPicPr>
-          <p:cNvPr id="13" name="図 12">
+          <p:cNvPr id="49" name="図 48">
             <a:extLst>
               <a:ext uri="{FF2B5EF4-FFF2-40B4-BE49-F238E27FC236}">
-                <a16:creationId xmlns:a16="http://schemas.microsoft.com/office/drawing/2014/main" id="{BF10D466-717B-48D2-4555-308A247AE156}"/>
+                <a16:creationId xmlns:a16="http://schemas.microsoft.com/office/drawing/2014/main" id="{D262BDCE-F828-8685-EBB2-B9FB68EBE5CD}"/>
               </a:ext>
             </a:extLst>
           </p:cNvPr>
@@ -13325,8 +13325,8 @@
         </p:blipFill>
         <p:spPr>
           <a:xfrm>
-            <a:off x="5884942" y="7642078"/>
-            <a:ext cx="962373" cy="788830"/>
+            <a:off x="3556668" y="7055972"/>
+            <a:ext cx="2081038" cy="1387359"/>
           </a:xfrm>
           <a:prstGeom prst="rect">
             <a:avLst/>

--- a/figures/FigS07.pptx
+++ b/figures/FigS07.pptx
@@ -7923,7 +7923,7 @@
           <a:p>
             <a:fld id="{7D22E5B2-9439-374A-B1E6-D8F9BBAFF71C}" type="datetimeFigureOut">
               <a:rPr kumimoji="1" lang="ja-JP" altLang="en-US" smtClean="0"/>
-              <a:t>2024/10/14</a:t>
+              <a:t>2024/10/19</a:t>
             </a:fld>
             <a:endParaRPr kumimoji="1" lang="ja-JP" altLang="en-US"/>
           </a:p>
@@ -8089,7 +8089,7 @@
           <a:p>
             <a:fld id="{EC1B1D34-CDA3-9948-B5AE-50FEAE2084F0}" type="datetimeFigureOut">
               <a:rPr kumimoji="1" lang="ja-JP" altLang="en-US" smtClean="0"/>
-              <a:t>2024/10/14</a:t>
+              <a:t>2024/10/19</a:t>
             </a:fld>
             <a:endParaRPr kumimoji="1" lang="ja-JP" altLang="en-US"/>
           </a:p>
@@ -8652,7 +8652,7 @@
           <a:p>
             <a:fld id="{DC18BD2E-9994-4E40-B328-49497B6525F5}" type="datetime1">
               <a:rPr kumimoji="1" lang="ja-JP" altLang="en-US" smtClean="0"/>
-              <a:t>2024/10/14</a:t>
+              <a:t>2024/10/19</a:t>
             </a:fld>
             <a:endParaRPr kumimoji="1" lang="ja-JP" altLang="en-US"/>
           </a:p>
@@ -8857,7 +8857,7 @@
           <a:p>
             <a:fld id="{ED32B4BE-600B-C746-92A1-96A3DB0F6359}" type="datetime1">
               <a:rPr kumimoji="1" lang="ja-JP" altLang="en-US" smtClean="0"/>
-              <a:t>2024/10/14</a:t>
+              <a:t>2024/10/19</a:t>
             </a:fld>
             <a:endParaRPr kumimoji="1" lang="ja-JP" altLang="en-US"/>
           </a:p>
@@ -9067,7 +9067,7 @@
           <a:p>
             <a:fld id="{957D4E43-ADDF-6B4C-A3A0-9FC11541FF6B}" type="datetime1">
               <a:rPr kumimoji="1" lang="ja-JP" altLang="en-US" smtClean="0"/>
-              <a:t>2024/10/14</a:t>
+              <a:t>2024/10/19</a:t>
             </a:fld>
             <a:endParaRPr kumimoji="1" lang="ja-JP" altLang="en-US"/>
           </a:p>
@@ -9267,7 +9267,7 @@
           <a:p>
             <a:fld id="{3ACE8623-A191-244D-9912-2788CD9AA0AB}" type="datetime1">
               <a:rPr kumimoji="1" lang="ja-JP" altLang="en-US" smtClean="0"/>
-              <a:t>2024/10/14</a:t>
+              <a:t>2024/10/19</a:t>
             </a:fld>
             <a:endParaRPr kumimoji="1" lang="ja-JP" altLang="en-US"/>
           </a:p>
@@ -9512,7 +9512,7 @@
           <a:p>
             <a:fld id="{ACF1CE24-2BE2-7F4A-9EE8-57950BD5865D}" type="datetime1">
               <a:rPr kumimoji="1" lang="ja-JP" altLang="en-US" smtClean="0"/>
-              <a:t>2024/10/14</a:t>
+              <a:t>2024/10/19</a:t>
             </a:fld>
             <a:endParaRPr kumimoji="1" lang="ja-JP" altLang="en-US"/>
           </a:p>
@@ -9861,7 +9861,7 @@
           <a:p>
             <a:fld id="{EC5917E1-143D-0147-AA4C-23A15708FCF1}" type="datetime1">
               <a:rPr kumimoji="1" lang="ja-JP" altLang="en-US" smtClean="0"/>
-              <a:t>2024/10/14</a:t>
+              <a:t>2024/10/19</a:t>
             </a:fld>
             <a:endParaRPr kumimoji="1" lang="ja-JP" altLang="en-US"/>
           </a:p>
@@ -10344,7 +10344,7 @@
           <a:p>
             <a:fld id="{040ED48A-E57C-F94E-B195-A02F52AC0C3F}" type="datetime1">
               <a:rPr kumimoji="1" lang="ja-JP" altLang="en-US" smtClean="0"/>
-              <a:t>2024/10/14</a:t>
+              <a:t>2024/10/19</a:t>
             </a:fld>
             <a:endParaRPr kumimoji="1" lang="ja-JP" altLang="en-US"/>
           </a:p>
@@ -10461,7 +10461,7 @@
           <a:p>
             <a:fld id="{6BFE0B55-0AB2-0749-8D75-4BC4FEF9C817}" type="datetime1">
               <a:rPr kumimoji="1" lang="ja-JP" altLang="en-US" smtClean="0"/>
-              <a:t>2024/10/14</a:t>
+              <a:t>2024/10/19</a:t>
             </a:fld>
             <a:endParaRPr kumimoji="1" lang="ja-JP" altLang="en-US"/>
           </a:p>
@@ -10556,7 +10556,7 @@
           <a:p>
             <a:fld id="{2C0F5FA4-0109-8247-9BE4-E10501EC04AA}" type="datetime1">
               <a:rPr kumimoji="1" lang="ja-JP" altLang="en-US" smtClean="0"/>
-              <a:t>2024/10/14</a:t>
+              <a:t>2024/10/19</a:t>
             </a:fld>
             <a:endParaRPr kumimoji="1" lang="ja-JP" altLang="en-US"/>
           </a:p>
@@ -10863,7 +10863,7 @@
           <a:p>
             <a:fld id="{8C6B6A4B-2033-7A4E-B3D4-26E50F09F6B4}" type="datetime1">
               <a:rPr kumimoji="1" lang="ja-JP" altLang="en-US" smtClean="0"/>
-              <a:t>2024/10/14</a:t>
+              <a:t>2024/10/19</a:t>
             </a:fld>
             <a:endParaRPr kumimoji="1" lang="ja-JP" altLang="en-US"/>
           </a:p>
@@ -11115,7 +11115,7 @@
           <a:p>
             <a:fld id="{E34AB8A0-CB7D-AA4F-ADA7-48A831E2DB24}" type="datetime1">
               <a:rPr kumimoji="1" lang="ja-JP" altLang="en-US" smtClean="0"/>
-              <a:t>2024/10/14</a:t>
+              <a:t>2024/10/19</a:t>
             </a:fld>
             <a:endParaRPr kumimoji="1" lang="ja-JP" altLang="en-US"/>
           </a:p>
@@ -11358,7 +11358,7 @@
           <a:p>
             <a:fld id="{F1E64B19-EACE-EC41-91EF-E5811185D0B2}" type="datetime1">
               <a:rPr kumimoji="1" lang="ja-JP" altLang="en-US" smtClean="0"/>
-              <a:t>2024/10/14</a:t>
+              <a:t>2024/10/19</a:t>
             </a:fld>
             <a:endParaRPr kumimoji="1" lang="ja-JP" altLang="en-US"/>
           </a:p>
@@ -11941,608 +11941,6 @@
       </p:sp>
       <p:sp>
         <p:nvSpPr>
-          <p:cNvPr id="30" name="テキスト ボックス 29">
-            <a:extLst>
-              <a:ext uri="{FF2B5EF4-FFF2-40B4-BE49-F238E27FC236}">
-                <a16:creationId xmlns:a16="http://schemas.microsoft.com/office/drawing/2014/main" id="{F60A58DA-4B00-1783-9E47-5B30733D553A}"/>
-              </a:ext>
-            </a:extLst>
-          </p:cNvPr>
-          <p:cNvSpPr txBox="1"/>
-          <p:nvPr/>
-        </p:nvSpPr>
-        <p:spPr>
-          <a:xfrm>
-            <a:off x="1040532" y="217980"/>
-            <a:ext cx="518091" cy="246221"/>
-          </a:xfrm>
-          <a:prstGeom prst="rect">
-            <a:avLst/>
-          </a:prstGeom>
-          <a:noFill/>
-        </p:spPr>
-        <p:txBody>
-          <a:bodyPr wrap="none" rtlCol="0">
-            <a:spAutoFit/>
-          </a:bodyPr>
-          <a:lstStyle/>
-          <a:p>
-            <a:r>
-              <a:rPr kumimoji="1" lang="en-US" altLang="ja-JP" sz="1000" dirty="0">
-                <a:latin typeface="Arial" panose="020B0604020202020204" pitchFamily="34" charset="0"/>
-                <a:cs typeface="Arial" panose="020B0604020202020204" pitchFamily="34" charset="0"/>
-              </a:rPr>
-              <a:t>2BUK</a:t>
-            </a:r>
-            <a:endParaRPr kumimoji="1" lang="ja-JP" altLang="en-US" sz="1000">
-              <a:latin typeface="Arial" panose="020B0604020202020204" pitchFamily="34" charset="0"/>
-              <a:cs typeface="Arial" panose="020B0604020202020204" pitchFamily="34" charset="0"/>
-            </a:endParaRPr>
-          </a:p>
-        </p:txBody>
-      </p:sp>
-      <p:sp>
-        <p:nvSpPr>
-          <p:cNvPr id="39" name="テキスト ボックス 38">
-            <a:extLst>
-              <a:ext uri="{FF2B5EF4-FFF2-40B4-BE49-F238E27FC236}">
-                <a16:creationId xmlns:a16="http://schemas.microsoft.com/office/drawing/2014/main" id="{9307EB38-6B1B-2E76-939A-906A807C5FC3}"/>
-              </a:ext>
-            </a:extLst>
-          </p:cNvPr>
-          <p:cNvSpPr txBox="1"/>
-          <p:nvPr/>
-        </p:nvSpPr>
-        <p:spPr>
-          <a:xfrm>
-            <a:off x="1040531" y="1828818"/>
-            <a:ext cx="518091" cy="246221"/>
-          </a:xfrm>
-          <a:prstGeom prst="rect">
-            <a:avLst/>
-          </a:prstGeom>
-          <a:noFill/>
-        </p:spPr>
-        <p:txBody>
-          <a:bodyPr wrap="none" rtlCol="0">
-            <a:spAutoFit/>
-          </a:bodyPr>
-          <a:lstStyle/>
-          <a:p>
-            <a:r>
-              <a:rPr kumimoji="1" lang="en-US" altLang="ja-JP" sz="1000" dirty="0">
-                <a:latin typeface="Arial" panose="020B0604020202020204" pitchFamily="34" charset="0"/>
-                <a:cs typeface="Arial" panose="020B0604020202020204" pitchFamily="34" charset="0"/>
-              </a:rPr>
-              <a:t>4V4M</a:t>
-            </a:r>
-            <a:endParaRPr kumimoji="1" lang="ja-JP" altLang="en-US" sz="1000">
-              <a:latin typeface="Arial" panose="020B0604020202020204" pitchFamily="34" charset="0"/>
-              <a:cs typeface="Arial" panose="020B0604020202020204" pitchFamily="34" charset="0"/>
-            </a:endParaRPr>
-          </a:p>
-        </p:txBody>
-      </p:sp>
-      <p:sp>
-        <p:nvSpPr>
-          <p:cNvPr id="46" name="テキスト ボックス 45">
-            <a:extLst>
-              <a:ext uri="{FF2B5EF4-FFF2-40B4-BE49-F238E27FC236}">
-                <a16:creationId xmlns:a16="http://schemas.microsoft.com/office/drawing/2014/main" id="{4AA4653F-C16E-73EB-5BD3-BA9A5CC5A077}"/>
-              </a:ext>
-            </a:extLst>
-          </p:cNvPr>
-          <p:cNvSpPr txBox="1"/>
-          <p:nvPr/>
-        </p:nvSpPr>
-        <p:spPr>
-          <a:xfrm>
-            <a:off x="1040532" y="5054609"/>
-            <a:ext cx="481222" cy="246221"/>
-          </a:xfrm>
-          <a:prstGeom prst="rect">
-            <a:avLst/>
-          </a:prstGeom>
-          <a:noFill/>
-        </p:spPr>
-        <p:txBody>
-          <a:bodyPr wrap="none" rtlCol="0">
-            <a:spAutoFit/>
-          </a:bodyPr>
-          <a:lstStyle/>
-          <a:p>
-            <a:r>
-              <a:rPr lang="en-US" altLang="ja-JP" sz="1000" dirty="0">
-                <a:latin typeface="Arial" panose="020B0604020202020204" pitchFamily="34" charset="0"/>
-                <a:cs typeface="Arial" panose="020B0604020202020204" pitchFamily="34" charset="0"/>
-              </a:rPr>
-              <a:t>6S44</a:t>
-            </a:r>
-            <a:endParaRPr kumimoji="1" lang="ja-JP" altLang="en-US" sz="1000">
-              <a:latin typeface="Arial" panose="020B0604020202020204" pitchFamily="34" charset="0"/>
-              <a:cs typeface="Arial" panose="020B0604020202020204" pitchFamily="34" charset="0"/>
-            </a:endParaRPr>
-          </a:p>
-        </p:txBody>
-      </p:sp>
-      <p:sp>
-        <p:nvSpPr>
-          <p:cNvPr id="50" name="テキスト ボックス 49">
-            <a:extLst>
-              <a:ext uri="{FF2B5EF4-FFF2-40B4-BE49-F238E27FC236}">
-                <a16:creationId xmlns:a16="http://schemas.microsoft.com/office/drawing/2014/main" id="{18DFC662-3C66-97E6-7779-250FCCB468DF}"/>
-              </a:ext>
-            </a:extLst>
-          </p:cNvPr>
-          <p:cNvSpPr txBox="1"/>
-          <p:nvPr/>
-        </p:nvSpPr>
-        <p:spPr>
-          <a:xfrm>
-            <a:off x="1071438" y="3436429"/>
-            <a:ext cx="569387" cy="246221"/>
-          </a:xfrm>
-          <a:prstGeom prst="rect">
-            <a:avLst/>
-          </a:prstGeom>
-          <a:noFill/>
-        </p:spPr>
-        <p:txBody>
-          <a:bodyPr wrap="none" rtlCol="0">
-            <a:spAutoFit/>
-          </a:bodyPr>
-          <a:lstStyle/>
-          <a:p>
-            <a:r>
-              <a:rPr kumimoji="1" lang="en-US" altLang="ja-JP" sz="1000" dirty="0">
-                <a:latin typeface="Arial" panose="020B0604020202020204" pitchFamily="34" charset="0"/>
-                <a:cs typeface="Arial" panose="020B0604020202020204" pitchFamily="34" charset="0"/>
-              </a:rPr>
-              <a:t>7ODW</a:t>
-            </a:r>
-            <a:endParaRPr kumimoji="1" lang="ja-JP" altLang="en-US" sz="1000">
-              <a:latin typeface="Arial" panose="020B0604020202020204" pitchFamily="34" charset="0"/>
-              <a:cs typeface="Arial" panose="020B0604020202020204" pitchFamily="34" charset="0"/>
-            </a:endParaRPr>
-          </a:p>
-        </p:txBody>
-      </p:sp>
-      <p:sp>
-        <p:nvSpPr>
-          <p:cNvPr id="51" name="テキスト ボックス 50">
-            <a:extLst>
-              <a:ext uri="{FF2B5EF4-FFF2-40B4-BE49-F238E27FC236}">
-                <a16:creationId xmlns:a16="http://schemas.microsoft.com/office/drawing/2014/main" id="{4160E0AF-650B-FCBE-6957-3BA1BE9F5011}"/>
-              </a:ext>
-            </a:extLst>
-          </p:cNvPr>
-          <p:cNvSpPr txBox="1"/>
-          <p:nvPr/>
-        </p:nvSpPr>
-        <p:spPr>
-          <a:xfrm>
-            <a:off x="3442466" y="3431930"/>
-            <a:ext cx="511679" cy="246221"/>
-          </a:xfrm>
-          <a:prstGeom prst="rect">
-            <a:avLst/>
-          </a:prstGeom>
-          <a:noFill/>
-        </p:spPr>
-        <p:txBody>
-          <a:bodyPr wrap="none" rtlCol="0">
-            <a:spAutoFit/>
-          </a:bodyPr>
-          <a:lstStyle/>
-          <a:p>
-            <a:r>
-              <a:rPr kumimoji="1" lang="en-US" altLang="ja-JP" sz="1000" dirty="0">
-                <a:latin typeface="Arial" panose="020B0604020202020204" pitchFamily="34" charset="0"/>
-                <a:cs typeface="Arial" panose="020B0604020202020204" pitchFamily="34" charset="0"/>
-              </a:rPr>
-              <a:t>3R0R</a:t>
-            </a:r>
-            <a:endParaRPr kumimoji="1" lang="ja-JP" altLang="en-US" sz="1000">
-              <a:latin typeface="Arial" panose="020B0604020202020204" pitchFamily="34" charset="0"/>
-              <a:cs typeface="Arial" panose="020B0604020202020204" pitchFamily="34" charset="0"/>
-            </a:endParaRPr>
-          </a:p>
-        </p:txBody>
-      </p:sp>
-      <p:sp>
-        <p:nvSpPr>
-          <p:cNvPr id="58" name="テキスト ボックス 57">
-            <a:extLst>
-              <a:ext uri="{FF2B5EF4-FFF2-40B4-BE49-F238E27FC236}">
-                <a16:creationId xmlns:a16="http://schemas.microsoft.com/office/drawing/2014/main" id="{5A5A518E-73C8-5E30-AC67-DE37CAB8F40A}"/>
-              </a:ext>
-            </a:extLst>
-          </p:cNvPr>
-          <p:cNvSpPr txBox="1"/>
-          <p:nvPr/>
-        </p:nvSpPr>
-        <p:spPr>
-          <a:xfrm>
-            <a:off x="3391336" y="5053107"/>
-            <a:ext cx="490840" cy="246221"/>
-          </a:xfrm>
-          <a:prstGeom prst="rect">
-            <a:avLst/>
-          </a:prstGeom>
-          <a:noFill/>
-        </p:spPr>
-        <p:txBody>
-          <a:bodyPr wrap="none" rtlCol="0">
-            <a:spAutoFit/>
-          </a:bodyPr>
-          <a:lstStyle/>
-          <a:p>
-            <a:r>
-              <a:rPr lang="en-US" altLang="ja-JP" sz="1000" dirty="0">
-                <a:latin typeface="Arial" panose="020B0604020202020204" pitchFamily="34" charset="0"/>
-                <a:cs typeface="Arial" panose="020B0604020202020204" pitchFamily="34" charset="0"/>
-              </a:rPr>
-              <a:t>5ZJU</a:t>
-            </a:r>
-            <a:endParaRPr kumimoji="1" lang="ja-JP" altLang="en-US" sz="1000">
-              <a:latin typeface="Arial" panose="020B0604020202020204" pitchFamily="34" charset="0"/>
-              <a:cs typeface="Arial" panose="020B0604020202020204" pitchFamily="34" charset="0"/>
-            </a:endParaRPr>
-          </a:p>
-        </p:txBody>
-      </p:sp>
-      <p:sp>
-        <p:nvSpPr>
-          <p:cNvPr id="74" name="テキスト ボックス 73">
-            <a:extLst>
-              <a:ext uri="{FF2B5EF4-FFF2-40B4-BE49-F238E27FC236}">
-                <a16:creationId xmlns:a16="http://schemas.microsoft.com/office/drawing/2014/main" id="{79C81B51-7C68-443A-8415-0FE68A34756C}"/>
-              </a:ext>
-            </a:extLst>
-          </p:cNvPr>
-          <p:cNvSpPr txBox="1"/>
-          <p:nvPr/>
-        </p:nvSpPr>
-        <p:spPr>
-          <a:xfrm>
-            <a:off x="3490364" y="6809751"/>
-            <a:ext cx="526106" cy="246221"/>
-          </a:xfrm>
-          <a:prstGeom prst="rect">
-            <a:avLst/>
-          </a:prstGeom>
-          <a:noFill/>
-        </p:spPr>
-        <p:txBody>
-          <a:bodyPr wrap="none" rtlCol="0">
-            <a:spAutoFit/>
-          </a:bodyPr>
-          <a:lstStyle/>
-          <a:p>
-            <a:r>
-              <a:rPr kumimoji="1" lang="en-US" altLang="ja-JP" sz="1000" dirty="0">
-                <a:latin typeface="Arial" panose="020B0604020202020204" pitchFamily="34" charset="0"/>
-                <a:cs typeface="Arial" panose="020B0604020202020204" pitchFamily="34" charset="0"/>
-              </a:rPr>
-              <a:t>1STM</a:t>
-            </a:r>
-            <a:endParaRPr kumimoji="1" lang="ja-JP" altLang="en-US" sz="1000">
-              <a:latin typeface="Arial" panose="020B0604020202020204" pitchFamily="34" charset="0"/>
-              <a:cs typeface="Arial" panose="020B0604020202020204" pitchFamily="34" charset="0"/>
-            </a:endParaRPr>
-          </a:p>
-        </p:txBody>
-      </p:sp>
-      <p:sp>
-        <p:nvSpPr>
-          <p:cNvPr id="75" name="テキスト ボックス 74">
-            <a:extLst>
-              <a:ext uri="{FF2B5EF4-FFF2-40B4-BE49-F238E27FC236}">
-                <a16:creationId xmlns:a16="http://schemas.microsoft.com/office/drawing/2014/main" id="{9582B61A-47A5-D33F-543D-FE3E9A80CB21}"/>
-              </a:ext>
-            </a:extLst>
-          </p:cNvPr>
-          <p:cNvSpPr txBox="1"/>
-          <p:nvPr/>
-        </p:nvSpPr>
-        <p:spPr>
-          <a:xfrm>
-            <a:off x="3446326" y="216523"/>
-            <a:ext cx="495649" cy="246221"/>
-          </a:xfrm>
-          <a:prstGeom prst="rect">
-            <a:avLst/>
-          </a:prstGeom>
-          <a:noFill/>
-        </p:spPr>
-        <p:txBody>
-          <a:bodyPr wrap="none" rtlCol="0">
-            <a:spAutoFit/>
-          </a:bodyPr>
-          <a:lstStyle/>
-          <a:p>
-            <a:r>
-              <a:rPr kumimoji="1" lang="en-US" altLang="ja-JP" sz="1000" dirty="0">
-                <a:latin typeface="Arial" panose="020B0604020202020204" pitchFamily="34" charset="0"/>
-                <a:cs typeface="Arial" panose="020B0604020202020204" pitchFamily="34" charset="0"/>
-              </a:rPr>
-              <a:t>1VB4</a:t>
-            </a:r>
-            <a:endParaRPr kumimoji="1" lang="ja-JP" altLang="en-US" sz="1000">
-              <a:latin typeface="Arial" panose="020B0604020202020204" pitchFamily="34" charset="0"/>
-              <a:cs typeface="Arial" panose="020B0604020202020204" pitchFamily="34" charset="0"/>
-            </a:endParaRPr>
-          </a:p>
-        </p:txBody>
-      </p:sp>
-      <p:sp>
-        <p:nvSpPr>
-          <p:cNvPr id="18" name="テキスト ボックス 17">
-            <a:extLst>
-              <a:ext uri="{FF2B5EF4-FFF2-40B4-BE49-F238E27FC236}">
-                <a16:creationId xmlns:a16="http://schemas.microsoft.com/office/drawing/2014/main" id="{E59ACC2F-3407-A079-A4DA-BDAFA536A437}"/>
-              </a:ext>
-            </a:extLst>
-          </p:cNvPr>
-          <p:cNvSpPr txBox="1"/>
-          <p:nvPr/>
-        </p:nvSpPr>
-        <p:spPr>
-          <a:xfrm>
-            <a:off x="1055961" y="6785767"/>
-            <a:ext cx="526106" cy="246221"/>
-          </a:xfrm>
-          <a:prstGeom prst="rect">
-            <a:avLst/>
-          </a:prstGeom>
-          <a:noFill/>
-        </p:spPr>
-        <p:txBody>
-          <a:bodyPr wrap="none" rtlCol="0">
-            <a:spAutoFit/>
-          </a:bodyPr>
-          <a:lstStyle/>
-          <a:p>
-            <a:r>
-              <a:rPr kumimoji="1" lang="en-US" altLang="ja-JP" sz="1000" dirty="0">
-                <a:latin typeface="Arial" panose="020B0604020202020204" pitchFamily="34" charset="0"/>
-                <a:cs typeface="Arial" panose="020B0604020202020204" pitchFamily="34" charset="0"/>
-              </a:rPr>
-              <a:t>6R7M</a:t>
-            </a:r>
-            <a:endParaRPr kumimoji="1" lang="ja-JP" altLang="en-US" sz="1000">
-              <a:latin typeface="Arial" panose="020B0604020202020204" pitchFamily="34" charset="0"/>
-              <a:cs typeface="Arial" panose="020B0604020202020204" pitchFamily="34" charset="0"/>
-            </a:endParaRPr>
-          </a:p>
-        </p:txBody>
-      </p:sp>
-      <p:sp>
-        <p:nvSpPr>
-          <p:cNvPr id="2" name="テキスト ボックス 1">
-            <a:extLst>
-              <a:ext uri="{FF2B5EF4-FFF2-40B4-BE49-F238E27FC236}">
-                <a16:creationId xmlns:a16="http://schemas.microsoft.com/office/drawing/2014/main" id="{F0772876-0FF1-4AB6-3733-5F804E83183E}"/>
-              </a:ext>
-            </a:extLst>
-          </p:cNvPr>
-          <p:cNvSpPr txBox="1"/>
-          <p:nvPr/>
-        </p:nvSpPr>
-        <p:spPr>
-          <a:xfrm>
-            <a:off x="2677549" y="270626"/>
-            <a:ext cx="636713" cy="215444"/>
-          </a:xfrm>
-          <a:prstGeom prst="rect">
-            <a:avLst/>
-          </a:prstGeom>
-          <a:noFill/>
-        </p:spPr>
-        <p:txBody>
-          <a:bodyPr wrap="none" rtlCol="0">
-            <a:spAutoFit/>
-          </a:bodyPr>
-          <a:lstStyle/>
-          <a:p>
-            <a:r>
-              <a:rPr kumimoji="1" lang="en-US" altLang="ja-JP" sz="800" dirty="0">
-                <a:latin typeface="Arial" panose="020B0604020202020204" pitchFamily="34" charset="0"/>
-                <a:cs typeface="Arial" panose="020B0604020202020204" pitchFamily="34" charset="0"/>
-              </a:rPr>
-              <a:t>RMSD [</a:t>
-            </a:r>
-            <a:r>
-              <a:rPr kumimoji="1" lang="en-US" altLang="ja-JP" sz="800" dirty="0" err="1">
-                <a:latin typeface="Arial" panose="020B0604020202020204" pitchFamily="34" charset="0"/>
-                <a:cs typeface="Arial" panose="020B0604020202020204" pitchFamily="34" charset="0"/>
-              </a:rPr>
-              <a:t>Å</a:t>
-            </a:r>
-            <a:r>
-              <a:rPr kumimoji="1" lang="en-US" altLang="ja-JP" sz="800" dirty="0">
-                <a:latin typeface="Arial" panose="020B0604020202020204" pitchFamily="34" charset="0"/>
-                <a:cs typeface="Arial" panose="020B0604020202020204" pitchFamily="34" charset="0"/>
-              </a:rPr>
-              <a:t>]</a:t>
-            </a:r>
-            <a:endParaRPr kumimoji="1" lang="ja-JP" altLang="en-US" sz="800">
-              <a:latin typeface="Arial" panose="020B0604020202020204" pitchFamily="34" charset="0"/>
-              <a:cs typeface="Arial" panose="020B0604020202020204" pitchFamily="34" charset="0"/>
-            </a:endParaRPr>
-          </a:p>
-        </p:txBody>
-      </p:sp>
-      <p:sp>
-        <p:nvSpPr>
-          <p:cNvPr id="3" name="テキスト ボックス 2">
-            <a:extLst>
-              <a:ext uri="{FF2B5EF4-FFF2-40B4-BE49-F238E27FC236}">
-                <a16:creationId xmlns:a16="http://schemas.microsoft.com/office/drawing/2014/main" id="{4360640D-7B17-BBC8-A3A6-CC4345B19F33}"/>
-              </a:ext>
-            </a:extLst>
-          </p:cNvPr>
-          <p:cNvSpPr txBox="1"/>
-          <p:nvPr/>
-        </p:nvSpPr>
-        <p:spPr>
-          <a:xfrm>
-            <a:off x="2748520" y="1862335"/>
-            <a:ext cx="636713" cy="215444"/>
-          </a:xfrm>
-          <a:prstGeom prst="rect">
-            <a:avLst/>
-          </a:prstGeom>
-          <a:noFill/>
-        </p:spPr>
-        <p:txBody>
-          <a:bodyPr wrap="none" rtlCol="0">
-            <a:spAutoFit/>
-          </a:bodyPr>
-          <a:lstStyle/>
-          <a:p>
-            <a:r>
-              <a:rPr kumimoji="1" lang="en-US" altLang="ja-JP" sz="800" dirty="0">
-                <a:latin typeface="Arial" panose="020B0604020202020204" pitchFamily="34" charset="0"/>
-                <a:cs typeface="Arial" panose="020B0604020202020204" pitchFamily="34" charset="0"/>
-              </a:rPr>
-              <a:t>RMSD [</a:t>
-            </a:r>
-            <a:r>
-              <a:rPr kumimoji="1" lang="en-US" altLang="ja-JP" sz="800" dirty="0" err="1">
-                <a:latin typeface="Arial" panose="020B0604020202020204" pitchFamily="34" charset="0"/>
-                <a:cs typeface="Arial" panose="020B0604020202020204" pitchFamily="34" charset="0"/>
-              </a:rPr>
-              <a:t>Å</a:t>
-            </a:r>
-            <a:r>
-              <a:rPr kumimoji="1" lang="en-US" altLang="ja-JP" sz="800" dirty="0">
-                <a:latin typeface="Arial" panose="020B0604020202020204" pitchFamily="34" charset="0"/>
-                <a:cs typeface="Arial" panose="020B0604020202020204" pitchFamily="34" charset="0"/>
-              </a:rPr>
-              <a:t>]</a:t>
-            </a:r>
-            <a:endParaRPr kumimoji="1" lang="ja-JP" altLang="en-US" sz="800">
-              <a:latin typeface="Arial" panose="020B0604020202020204" pitchFamily="34" charset="0"/>
-              <a:cs typeface="Arial" panose="020B0604020202020204" pitchFamily="34" charset="0"/>
-            </a:endParaRPr>
-          </a:p>
-        </p:txBody>
-      </p:sp>
-      <p:sp>
-        <p:nvSpPr>
-          <p:cNvPr id="5" name="テキスト ボックス 4">
-            <a:extLst>
-              <a:ext uri="{FF2B5EF4-FFF2-40B4-BE49-F238E27FC236}">
-                <a16:creationId xmlns:a16="http://schemas.microsoft.com/office/drawing/2014/main" id="{766044FB-D22B-EFBB-06FF-B734B55F4B7C}"/>
-              </a:ext>
-            </a:extLst>
-          </p:cNvPr>
-          <p:cNvSpPr txBox="1"/>
-          <p:nvPr/>
-        </p:nvSpPr>
-        <p:spPr>
-          <a:xfrm>
-            <a:off x="2738013" y="5118639"/>
-            <a:ext cx="636713" cy="215444"/>
-          </a:xfrm>
-          <a:prstGeom prst="rect">
-            <a:avLst/>
-          </a:prstGeom>
-          <a:noFill/>
-        </p:spPr>
-        <p:txBody>
-          <a:bodyPr wrap="none" rtlCol="0">
-            <a:spAutoFit/>
-          </a:bodyPr>
-          <a:lstStyle/>
-          <a:p>
-            <a:r>
-              <a:rPr kumimoji="1" lang="en-US" altLang="ja-JP" sz="800" dirty="0">
-                <a:latin typeface="Arial" panose="020B0604020202020204" pitchFamily="34" charset="0"/>
-                <a:cs typeface="Arial" panose="020B0604020202020204" pitchFamily="34" charset="0"/>
-              </a:rPr>
-              <a:t>RMSD [</a:t>
-            </a:r>
-            <a:r>
-              <a:rPr kumimoji="1" lang="en-US" altLang="ja-JP" sz="800" dirty="0" err="1">
-                <a:latin typeface="Arial" panose="020B0604020202020204" pitchFamily="34" charset="0"/>
-                <a:cs typeface="Arial" panose="020B0604020202020204" pitchFamily="34" charset="0"/>
-              </a:rPr>
-              <a:t>Å</a:t>
-            </a:r>
-            <a:r>
-              <a:rPr kumimoji="1" lang="en-US" altLang="ja-JP" sz="800" dirty="0">
-                <a:latin typeface="Arial" panose="020B0604020202020204" pitchFamily="34" charset="0"/>
-                <a:cs typeface="Arial" panose="020B0604020202020204" pitchFamily="34" charset="0"/>
-              </a:rPr>
-              <a:t>]</a:t>
-            </a:r>
-            <a:endParaRPr kumimoji="1" lang="ja-JP" altLang="en-US" sz="800">
-              <a:latin typeface="Arial" panose="020B0604020202020204" pitchFamily="34" charset="0"/>
-              <a:cs typeface="Arial" panose="020B0604020202020204" pitchFamily="34" charset="0"/>
-            </a:endParaRPr>
-          </a:p>
-        </p:txBody>
-      </p:sp>
-      <p:sp>
-        <p:nvSpPr>
-          <p:cNvPr id="6" name="テキスト ボックス 5">
-            <a:extLst>
-              <a:ext uri="{FF2B5EF4-FFF2-40B4-BE49-F238E27FC236}">
-                <a16:creationId xmlns:a16="http://schemas.microsoft.com/office/drawing/2014/main" id="{CA1C44A2-D476-8A78-18E8-471405F51A89}"/>
-              </a:ext>
-            </a:extLst>
-          </p:cNvPr>
-          <p:cNvSpPr txBox="1"/>
-          <p:nvPr/>
-        </p:nvSpPr>
-        <p:spPr>
-          <a:xfrm>
-            <a:off x="2677549" y="3496199"/>
-            <a:ext cx="636713" cy="215444"/>
-          </a:xfrm>
-          <a:prstGeom prst="rect">
-            <a:avLst/>
-          </a:prstGeom>
-          <a:noFill/>
-        </p:spPr>
-        <p:txBody>
-          <a:bodyPr wrap="none" rtlCol="0">
-            <a:spAutoFit/>
-          </a:bodyPr>
-          <a:lstStyle/>
-          <a:p>
-            <a:r>
-              <a:rPr kumimoji="1" lang="en-US" altLang="ja-JP" sz="800" dirty="0">
-                <a:latin typeface="Arial" panose="020B0604020202020204" pitchFamily="34" charset="0"/>
-                <a:cs typeface="Arial" panose="020B0604020202020204" pitchFamily="34" charset="0"/>
-              </a:rPr>
-              <a:t>RMSD [</a:t>
-            </a:r>
-            <a:r>
-              <a:rPr kumimoji="1" lang="en-US" altLang="ja-JP" sz="800" dirty="0" err="1">
-                <a:latin typeface="Arial" panose="020B0604020202020204" pitchFamily="34" charset="0"/>
-                <a:cs typeface="Arial" panose="020B0604020202020204" pitchFamily="34" charset="0"/>
-              </a:rPr>
-              <a:t>Å</a:t>
-            </a:r>
-            <a:r>
-              <a:rPr kumimoji="1" lang="en-US" altLang="ja-JP" sz="800" dirty="0">
-                <a:latin typeface="Arial" panose="020B0604020202020204" pitchFamily="34" charset="0"/>
-                <a:cs typeface="Arial" panose="020B0604020202020204" pitchFamily="34" charset="0"/>
-              </a:rPr>
-              <a:t>]</a:t>
-            </a:r>
-            <a:endParaRPr kumimoji="1" lang="ja-JP" altLang="en-US" sz="800">
-              <a:latin typeface="Arial" panose="020B0604020202020204" pitchFamily="34" charset="0"/>
-              <a:cs typeface="Arial" panose="020B0604020202020204" pitchFamily="34" charset="0"/>
-            </a:endParaRPr>
-          </a:p>
-        </p:txBody>
-      </p:sp>
-      <p:sp>
-        <p:nvSpPr>
           <p:cNvPr id="7" name="テキスト ボックス 6">
             <a:extLst>
               <a:ext uri="{FF2B5EF4-FFF2-40B4-BE49-F238E27FC236}">
@@ -12555,7 +11953,7 @@
         </p:nvSpPr>
         <p:spPr>
           <a:xfrm>
-            <a:off x="5111254" y="3472177"/>
+            <a:off x="5597853" y="3677717"/>
             <a:ext cx="636713" cy="215444"/>
           </a:xfrm>
           <a:prstGeom prst="rect">
@@ -12611,7 +12009,7 @@
         </p:nvSpPr>
         <p:spPr>
           <a:xfrm>
-            <a:off x="5144994" y="5100818"/>
+            <a:off x="5631593" y="5306358"/>
             <a:ext cx="636713" cy="215444"/>
           </a:xfrm>
           <a:prstGeom prst="rect">
@@ -12667,7 +12065,7 @@
         </p:nvSpPr>
         <p:spPr>
           <a:xfrm>
-            <a:off x="5131210" y="6877655"/>
+            <a:off x="5617809" y="7083195"/>
             <a:ext cx="636713" cy="215444"/>
           </a:xfrm>
           <a:prstGeom prst="rect">
@@ -12723,7 +12121,7 @@
         </p:nvSpPr>
         <p:spPr>
           <a:xfrm>
-            <a:off x="5087500" y="270626"/>
+            <a:off x="5574099" y="476166"/>
             <a:ext cx="636713" cy="215444"/>
           </a:xfrm>
           <a:prstGeom prst="rect">
@@ -12759,104 +12157,6 @@
               <a:t>]</a:t>
             </a:r>
             <a:endParaRPr kumimoji="1" lang="ja-JP" altLang="en-US" sz="800">
-              <a:latin typeface="Arial" panose="020B0604020202020204" pitchFamily="34" charset="0"/>
-              <a:cs typeface="Arial" panose="020B0604020202020204" pitchFamily="34" charset="0"/>
-            </a:endParaRPr>
-          </a:p>
-        </p:txBody>
-      </p:sp>
-      <p:sp>
-        <p:nvSpPr>
-          <p:cNvPr id="14" name="テキスト ボックス 13">
-            <a:extLst>
-              <a:ext uri="{FF2B5EF4-FFF2-40B4-BE49-F238E27FC236}">
-                <a16:creationId xmlns:a16="http://schemas.microsoft.com/office/drawing/2014/main" id="{A90E2789-E1FD-E455-1D32-3550D793E12E}"/>
-              </a:ext>
-            </a:extLst>
-          </p:cNvPr>
-          <p:cNvSpPr txBox="1"/>
-          <p:nvPr/>
-        </p:nvSpPr>
-        <p:spPr>
-          <a:xfrm>
-            <a:off x="2653127" y="6876695"/>
-            <a:ext cx="636713" cy="215444"/>
-          </a:xfrm>
-          <a:prstGeom prst="rect">
-            <a:avLst/>
-          </a:prstGeom>
-          <a:noFill/>
-        </p:spPr>
-        <p:txBody>
-          <a:bodyPr wrap="none" rtlCol="0">
-            <a:spAutoFit/>
-          </a:bodyPr>
-          <a:lstStyle/>
-          <a:p>
-            <a:r>
-              <a:rPr kumimoji="1" lang="en-US" altLang="ja-JP" sz="800" dirty="0">
-                <a:latin typeface="Arial" panose="020B0604020202020204" pitchFamily="34" charset="0"/>
-                <a:cs typeface="Arial" panose="020B0604020202020204" pitchFamily="34" charset="0"/>
-              </a:rPr>
-              <a:t>RMSD [</a:t>
-            </a:r>
-            <a:r>
-              <a:rPr kumimoji="1" lang="en-US" altLang="ja-JP" sz="800" dirty="0" err="1">
-                <a:latin typeface="Arial" panose="020B0604020202020204" pitchFamily="34" charset="0"/>
-                <a:cs typeface="Arial" panose="020B0604020202020204" pitchFamily="34" charset="0"/>
-              </a:rPr>
-              <a:t>Å</a:t>
-            </a:r>
-            <a:r>
-              <a:rPr kumimoji="1" lang="en-US" altLang="ja-JP" sz="800" dirty="0">
-                <a:latin typeface="Arial" panose="020B0604020202020204" pitchFamily="34" charset="0"/>
-                <a:cs typeface="Arial" panose="020B0604020202020204" pitchFamily="34" charset="0"/>
-              </a:rPr>
-              <a:t>]</a:t>
-            </a:r>
-            <a:endParaRPr kumimoji="1" lang="ja-JP" altLang="en-US" sz="800">
-              <a:latin typeface="Arial" panose="020B0604020202020204" pitchFamily="34" charset="0"/>
-              <a:cs typeface="Arial" panose="020B0604020202020204" pitchFamily="34" charset="0"/>
-            </a:endParaRPr>
-          </a:p>
-        </p:txBody>
-      </p:sp>
-      <p:sp>
-        <p:nvSpPr>
-          <p:cNvPr id="16" name="テキスト ボックス 15">
-            <a:extLst>
-              <a:ext uri="{FF2B5EF4-FFF2-40B4-BE49-F238E27FC236}">
-                <a16:creationId xmlns:a16="http://schemas.microsoft.com/office/drawing/2014/main" id="{1FFA8294-F604-F2B9-B44C-677AD7FAAE94}"/>
-              </a:ext>
-            </a:extLst>
-          </p:cNvPr>
-          <p:cNvSpPr txBox="1"/>
-          <p:nvPr/>
-        </p:nvSpPr>
-        <p:spPr>
-          <a:xfrm>
-            <a:off x="3446326" y="1843143"/>
-            <a:ext cx="526106" cy="246221"/>
-          </a:xfrm>
-          <a:prstGeom prst="rect">
-            <a:avLst/>
-          </a:prstGeom>
-          <a:noFill/>
-        </p:spPr>
-        <p:txBody>
-          <a:bodyPr wrap="none" rtlCol="0">
-            <a:spAutoFit/>
-          </a:bodyPr>
-          <a:lstStyle/>
-          <a:p>
-            <a:r>
-              <a:rPr kumimoji="1" lang="en-US" altLang="ja-JP" sz="1000" dirty="0">
-                <a:latin typeface="Arial" panose="020B0604020202020204" pitchFamily="34" charset="0"/>
-                <a:cs typeface="Arial" panose="020B0604020202020204" pitchFamily="34" charset="0"/>
-              </a:rPr>
-              <a:t>1M1C</a:t>
-            </a:r>
-            <a:endParaRPr kumimoji="1" lang="ja-JP" altLang="en-US" sz="1000">
               <a:latin typeface="Arial" panose="020B0604020202020204" pitchFamily="34" charset="0"/>
               <a:cs typeface="Arial" panose="020B0604020202020204" pitchFamily="34" charset="0"/>
             </a:endParaRPr>
@@ -12877,7 +12177,7 @@
         </p:nvSpPr>
         <p:spPr>
           <a:xfrm>
-            <a:off x="5087500" y="1897246"/>
+            <a:off x="5574099" y="2102786"/>
             <a:ext cx="636713" cy="215444"/>
           </a:xfrm>
           <a:prstGeom prst="rect">
@@ -13333,6 +12633,482 @@
           </a:prstGeom>
         </p:spPr>
       </p:pic>
+      <p:sp>
+        <p:nvSpPr>
+          <p:cNvPr id="4" name="テキスト ボックス 3">
+            <a:extLst>
+              <a:ext uri="{FF2B5EF4-FFF2-40B4-BE49-F238E27FC236}">
+                <a16:creationId xmlns:a16="http://schemas.microsoft.com/office/drawing/2014/main" id="{614E1546-B280-8558-ADA1-218FE6FC56BF}"/>
+              </a:ext>
+            </a:extLst>
+          </p:cNvPr>
+          <p:cNvSpPr txBox="1"/>
+          <p:nvPr/>
+        </p:nvSpPr>
+        <p:spPr>
+          <a:xfrm>
+            <a:off x="1029282" y="6827195"/>
+            <a:ext cx="1592103" cy="192360"/>
+          </a:xfrm>
+          <a:prstGeom prst="rect">
+            <a:avLst/>
+          </a:prstGeom>
+          <a:noFill/>
+        </p:spPr>
+        <p:txBody>
+          <a:bodyPr wrap="none" rtlCol="0">
+            <a:spAutoFit/>
+          </a:bodyPr>
+          <a:lstStyle/>
+          <a:p>
+            <a:r>
+              <a:rPr kumimoji="1" lang="en-US" altLang="ja-JP" sz="650" dirty="0">
+                <a:latin typeface="Arial" panose="020B0604020202020204" pitchFamily="34" charset="0"/>
+                <a:cs typeface="Arial" panose="020B0604020202020204" pitchFamily="34" charset="0"/>
+              </a:rPr>
+              <a:t>Tobacco mosaic virus (PDB ID 6R7M)</a:t>
+            </a:r>
+            <a:endParaRPr kumimoji="1" lang="ja-JP" altLang="en-US" sz="650">
+              <a:latin typeface="Arial" panose="020B0604020202020204" pitchFamily="34" charset="0"/>
+              <a:cs typeface="Arial" panose="020B0604020202020204" pitchFamily="34" charset="0"/>
+            </a:endParaRPr>
+          </a:p>
+        </p:txBody>
+      </p:sp>
+      <p:sp>
+        <p:nvSpPr>
+          <p:cNvPr id="8" name="テキスト ボックス 7">
+            <a:extLst>
+              <a:ext uri="{FF2B5EF4-FFF2-40B4-BE49-F238E27FC236}">
+                <a16:creationId xmlns:a16="http://schemas.microsoft.com/office/drawing/2014/main" id="{30057C4E-A006-0720-1D1C-94E9F1AC1B0B}"/>
+              </a:ext>
+            </a:extLst>
+          </p:cNvPr>
+          <p:cNvSpPr txBox="1"/>
+          <p:nvPr/>
+        </p:nvSpPr>
+        <p:spPr>
+          <a:xfrm>
+            <a:off x="1062496" y="270995"/>
+            <a:ext cx="1927131" cy="192360"/>
+          </a:xfrm>
+          <a:prstGeom prst="rect">
+            <a:avLst/>
+          </a:prstGeom>
+          <a:noFill/>
+        </p:spPr>
+        <p:txBody>
+          <a:bodyPr wrap="none" rtlCol="0">
+            <a:spAutoFit/>
+          </a:bodyPr>
+          <a:lstStyle/>
+          <a:p>
+            <a:r>
+              <a:rPr lang="en" altLang="ja-JP" sz="650" dirty="0">
+                <a:latin typeface="Arial" panose="020B0604020202020204" pitchFamily="34" charset="0"/>
+                <a:cs typeface="Arial" panose="020B0604020202020204" pitchFamily="34" charset="0"/>
+              </a:rPr>
+              <a:t>S</a:t>
+            </a:r>
+            <a:r>
+              <a:rPr kumimoji="1" lang="en" altLang="ja-JP" sz="650" dirty="0">
+                <a:latin typeface="Arial" panose="020B0604020202020204" pitchFamily="34" charset="0"/>
+                <a:cs typeface="Arial" panose="020B0604020202020204" pitchFamily="34" charset="0"/>
+              </a:rPr>
+              <a:t>atellite tobacco necrosis virus (PDB ID 2BUK)</a:t>
+            </a:r>
+            <a:endParaRPr kumimoji="1" lang="ja-JP" altLang="en-US" sz="650">
+              <a:latin typeface="Arial" panose="020B0604020202020204" pitchFamily="34" charset="0"/>
+              <a:cs typeface="Arial" panose="020B0604020202020204" pitchFamily="34" charset="0"/>
+            </a:endParaRPr>
+          </a:p>
+        </p:txBody>
+      </p:sp>
+      <p:sp>
+        <p:nvSpPr>
+          <p:cNvPr id="12" name="テキスト ボックス 11">
+            <a:extLst>
+              <a:ext uri="{FF2B5EF4-FFF2-40B4-BE49-F238E27FC236}">
+                <a16:creationId xmlns:a16="http://schemas.microsoft.com/office/drawing/2014/main" id="{99527EE3-94A3-8657-2D65-C1DCCD26D5DF}"/>
+              </a:ext>
+            </a:extLst>
+          </p:cNvPr>
+          <p:cNvSpPr txBox="1"/>
+          <p:nvPr/>
+        </p:nvSpPr>
+        <p:spPr>
+          <a:xfrm>
+            <a:off x="1024676" y="1881900"/>
+            <a:ext cx="1462260" cy="192360"/>
+          </a:xfrm>
+          <a:prstGeom prst="rect">
+            <a:avLst/>
+          </a:prstGeom>
+          <a:noFill/>
+        </p:spPr>
+        <p:txBody>
+          <a:bodyPr wrap="none" rtlCol="0">
+            <a:spAutoFit/>
+          </a:bodyPr>
+          <a:lstStyle/>
+          <a:p>
+            <a:r>
+              <a:rPr lang="en" altLang="ja-JP" sz="650" dirty="0">
+                <a:latin typeface="Arial" panose="020B0604020202020204" pitchFamily="34" charset="0"/>
+                <a:cs typeface="Arial" panose="020B0604020202020204" pitchFamily="34" charset="0"/>
+              </a:rPr>
+              <a:t>STNV coat protein (PDB ID 4V4M)</a:t>
+            </a:r>
+            <a:endParaRPr kumimoji="1" lang="ja-JP" altLang="en-US" sz="650">
+              <a:latin typeface="Arial" panose="020B0604020202020204" pitchFamily="34" charset="0"/>
+              <a:cs typeface="Arial" panose="020B0604020202020204" pitchFamily="34" charset="0"/>
+            </a:endParaRPr>
+          </a:p>
+        </p:txBody>
+      </p:sp>
+      <p:sp>
+        <p:nvSpPr>
+          <p:cNvPr id="15" name="テキスト ボックス 14">
+            <a:extLst>
+              <a:ext uri="{FF2B5EF4-FFF2-40B4-BE49-F238E27FC236}">
+                <a16:creationId xmlns:a16="http://schemas.microsoft.com/office/drawing/2014/main" id="{8B3613C4-1282-3AA5-920A-DDDDB6E109F0}"/>
+              </a:ext>
+            </a:extLst>
+          </p:cNvPr>
+          <p:cNvSpPr txBox="1"/>
+          <p:nvPr/>
+        </p:nvSpPr>
+        <p:spPr>
+          <a:xfrm>
+            <a:off x="1024676" y="3487053"/>
+            <a:ext cx="2432076" cy="192360"/>
+          </a:xfrm>
+          <a:prstGeom prst="rect">
+            <a:avLst/>
+          </a:prstGeom>
+          <a:noFill/>
+        </p:spPr>
+        <p:txBody>
+          <a:bodyPr wrap="none" rtlCol="0">
+            <a:spAutoFit/>
+          </a:bodyPr>
+          <a:lstStyle/>
+          <a:p>
+            <a:r>
+              <a:rPr lang="en" altLang="ja-JP" sz="650" dirty="0">
+                <a:latin typeface="Arial" panose="020B0604020202020204" pitchFamily="34" charset="0"/>
+                <a:cs typeface="Arial" panose="020B0604020202020204" pitchFamily="34" charset="0"/>
+              </a:rPr>
+              <a:t>Model of </a:t>
+            </a:r>
+            <a:r>
+              <a:rPr lang="en" altLang="ja-JP" sz="650" dirty="0" err="1">
+                <a:latin typeface="Arial" panose="020B0604020202020204" pitchFamily="34" charset="0"/>
+                <a:cs typeface="Arial" panose="020B0604020202020204" pitchFamily="34" charset="0"/>
+              </a:rPr>
+              <a:t>Haliangium</a:t>
+            </a:r>
+            <a:r>
+              <a:rPr lang="en" altLang="ja-JP" sz="650" dirty="0">
+                <a:latin typeface="Arial" panose="020B0604020202020204" pitchFamily="34" charset="0"/>
+                <a:cs typeface="Arial" panose="020B0604020202020204" pitchFamily="34" charset="0"/>
+              </a:rPr>
+              <a:t> </a:t>
+            </a:r>
+            <a:r>
+              <a:rPr lang="en" altLang="ja-JP" sz="650" dirty="0" err="1">
+                <a:latin typeface="Arial" panose="020B0604020202020204" pitchFamily="34" charset="0"/>
+                <a:cs typeface="Arial" panose="020B0604020202020204" pitchFamily="34" charset="0"/>
+              </a:rPr>
+              <a:t>ochraceum</a:t>
+            </a:r>
+            <a:r>
+              <a:rPr lang="en" altLang="ja-JP" sz="650" dirty="0">
+                <a:latin typeface="Arial" panose="020B0604020202020204" pitchFamily="34" charset="0"/>
+                <a:cs typeface="Arial" panose="020B0604020202020204" pitchFamily="34" charset="0"/>
+              </a:rPr>
+              <a:t> </a:t>
+            </a:r>
+            <a:r>
+              <a:rPr lang="en" altLang="ja-JP" sz="650" dirty="0" err="1">
+                <a:latin typeface="Arial" panose="020B0604020202020204" pitchFamily="34" charset="0"/>
+                <a:cs typeface="Arial" panose="020B0604020202020204" pitchFamily="34" charset="0"/>
+              </a:rPr>
+              <a:t>encapsulin</a:t>
+            </a:r>
+            <a:r>
+              <a:rPr lang="en" altLang="ja-JP" sz="650" dirty="0">
+                <a:latin typeface="Arial" panose="020B0604020202020204" pitchFamily="34" charset="0"/>
+                <a:cs typeface="Arial" panose="020B0604020202020204" pitchFamily="34" charset="0"/>
+              </a:rPr>
+              <a:t> (PDB ID 7ODW)</a:t>
+            </a:r>
+            <a:endParaRPr kumimoji="1" lang="ja-JP" altLang="en-US" sz="650">
+              <a:latin typeface="Arial" panose="020B0604020202020204" pitchFamily="34" charset="0"/>
+              <a:cs typeface="Arial" panose="020B0604020202020204" pitchFamily="34" charset="0"/>
+            </a:endParaRPr>
+          </a:p>
+        </p:txBody>
+      </p:sp>
+      <p:sp>
+        <p:nvSpPr>
+          <p:cNvPr id="19" name="テキスト ボックス 18">
+            <a:extLst>
+              <a:ext uri="{FF2B5EF4-FFF2-40B4-BE49-F238E27FC236}">
+                <a16:creationId xmlns:a16="http://schemas.microsoft.com/office/drawing/2014/main" id="{929AE9B4-E3B7-6B77-D7A6-1409092DAA38}"/>
+              </a:ext>
+            </a:extLst>
+          </p:cNvPr>
+          <p:cNvSpPr txBox="1"/>
+          <p:nvPr/>
+        </p:nvSpPr>
+        <p:spPr>
+          <a:xfrm>
+            <a:off x="1032117" y="5094520"/>
+            <a:ext cx="1872629" cy="192360"/>
+          </a:xfrm>
+          <a:prstGeom prst="rect">
+            <a:avLst/>
+          </a:prstGeom>
+          <a:noFill/>
+        </p:spPr>
+        <p:txBody>
+          <a:bodyPr wrap="none" rtlCol="0">
+            <a:spAutoFit/>
+          </a:bodyPr>
+          <a:lstStyle/>
+          <a:p>
+            <a:r>
+              <a:rPr lang="en" altLang="ja-JP" sz="650" dirty="0">
+                <a:latin typeface="Arial" panose="020B0604020202020204" pitchFamily="34" charset="0"/>
+                <a:cs typeface="Arial" panose="020B0604020202020204" pitchFamily="34" charset="0"/>
+              </a:rPr>
+              <a:t>Faba bean necrotic stunt virus (PDB ID 6S44)</a:t>
+            </a:r>
+            <a:endParaRPr kumimoji="1" lang="ja-JP" altLang="en-US" sz="650">
+              <a:latin typeface="Arial" panose="020B0604020202020204" pitchFamily="34" charset="0"/>
+              <a:cs typeface="Arial" panose="020B0604020202020204" pitchFamily="34" charset="0"/>
+            </a:endParaRPr>
+          </a:p>
+        </p:txBody>
+      </p:sp>
+      <p:sp>
+        <p:nvSpPr>
+          <p:cNvPr id="22" name="テキスト ボックス 21">
+            <a:extLst>
+              <a:ext uri="{FF2B5EF4-FFF2-40B4-BE49-F238E27FC236}">
+                <a16:creationId xmlns:a16="http://schemas.microsoft.com/office/drawing/2014/main" id="{387A565C-FCB2-1723-309C-B5D541AAA539}"/>
+              </a:ext>
+            </a:extLst>
+          </p:cNvPr>
+          <p:cNvSpPr txBox="1"/>
+          <p:nvPr/>
+        </p:nvSpPr>
+        <p:spPr>
+          <a:xfrm>
+            <a:off x="3426955" y="264029"/>
+            <a:ext cx="1612942" cy="192360"/>
+          </a:xfrm>
+          <a:prstGeom prst="rect">
+            <a:avLst/>
+          </a:prstGeom>
+          <a:noFill/>
+        </p:spPr>
+        <p:txBody>
+          <a:bodyPr wrap="none" rtlCol="0">
+            <a:spAutoFit/>
+          </a:bodyPr>
+          <a:lstStyle/>
+          <a:p>
+            <a:r>
+              <a:rPr lang="en" altLang="ja-JP" sz="650" dirty="0" err="1">
+                <a:latin typeface="Arial" panose="020B0604020202020204" pitchFamily="34" charset="0"/>
+                <a:cs typeface="Arial" panose="020B0604020202020204" pitchFamily="34" charset="0"/>
+              </a:rPr>
+              <a:t>Sesbanian</a:t>
+            </a:r>
+            <a:r>
+              <a:rPr lang="en" altLang="ja-JP" sz="650" dirty="0">
+                <a:latin typeface="Arial" panose="020B0604020202020204" pitchFamily="34" charset="0"/>
+                <a:cs typeface="Arial" panose="020B0604020202020204" pitchFamily="34" charset="0"/>
+              </a:rPr>
+              <a:t> mosaic virus capsid (1VB4)</a:t>
+            </a:r>
+            <a:endParaRPr kumimoji="1" lang="ja-JP" altLang="en-US" sz="650">
+              <a:latin typeface="Arial" panose="020B0604020202020204" pitchFamily="34" charset="0"/>
+              <a:cs typeface="Arial" panose="020B0604020202020204" pitchFamily="34" charset="0"/>
+            </a:endParaRPr>
+          </a:p>
+        </p:txBody>
+      </p:sp>
+      <p:sp>
+        <p:nvSpPr>
+          <p:cNvPr id="24" name="テキスト ボックス 23">
+            <a:extLst>
+              <a:ext uri="{FF2B5EF4-FFF2-40B4-BE49-F238E27FC236}">
+                <a16:creationId xmlns:a16="http://schemas.microsoft.com/office/drawing/2014/main" id="{7AC2303F-4FEB-CFA3-D1D1-D85A58525280}"/>
+              </a:ext>
+            </a:extLst>
+          </p:cNvPr>
+          <p:cNvSpPr txBox="1"/>
+          <p:nvPr/>
+        </p:nvSpPr>
+        <p:spPr>
+          <a:xfrm>
+            <a:off x="3453037" y="1884585"/>
+            <a:ext cx="1505540" cy="192360"/>
+          </a:xfrm>
+          <a:prstGeom prst="rect">
+            <a:avLst/>
+          </a:prstGeom>
+          <a:noFill/>
+        </p:spPr>
+        <p:txBody>
+          <a:bodyPr wrap="none" rtlCol="0">
+            <a:spAutoFit/>
+          </a:bodyPr>
+          <a:lstStyle/>
+          <a:p>
+            <a:r>
+              <a:rPr lang="en" altLang="ja-JP" sz="650" dirty="0">
+                <a:latin typeface="Arial" panose="020B0604020202020204" pitchFamily="34" charset="0"/>
+                <a:cs typeface="Arial" panose="020B0604020202020204" pitchFamily="34" charset="0"/>
+              </a:rPr>
+              <a:t>Porcine circovirus 2 (PDB ID 3R0R)</a:t>
+            </a:r>
+            <a:endParaRPr kumimoji="1" lang="ja-JP" altLang="en-US" sz="650">
+              <a:latin typeface="Arial" panose="020B0604020202020204" pitchFamily="34" charset="0"/>
+              <a:cs typeface="Arial" panose="020B0604020202020204" pitchFamily="34" charset="0"/>
+            </a:endParaRPr>
+          </a:p>
+        </p:txBody>
+      </p:sp>
+      <p:sp>
+        <p:nvSpPr>
+          <p:cNvPr id="25" name="テキスト ボックス 24">
+            <a:extLst>
+              <a:ext uri="{FF2B5EF4-FFF2-40B4-BE49-F238E27FC236}">
+                <a16:creationId xmlns:a16="http://schemas.microsoft.com/office/drawing/2014/main" id="{F61046E6-5E9A-834B-5046-60CF63461FA4}"/>
+              </a:ext>
+            </a:extLst>
+          </p:cNvPr>
+          <p:cNvSpPr txBox="1"/>
+          <p:nvPr/>
+        </p:nvSpPr>
+        <p:spPr>
+          <a:xfrm>
+            <a:off x="3422146" y="3488547"/>
+            <a:ext cx="1627369" cy="192360"/>
+          </a:xfrm>
+          <a:prstGeom prst="rect">
+            <a:avLst/>
+          </a:prstGeom>
+          <a:noFill/>
+        </p:spPr>
+        <p:txBody>
+          <a:bodyPr wrap="none" rtlCol="0">
+            <a:spAutoFit/>
+          </a:bodyPr>
+          <a:lstStyle/>
+          <a:p>
+            <a:r>
+              <a:rPr lang="en" altLang="ja-JP" sz="650" dirty="0">
+                <a:latin typeface="Arial" panose="020B0604020202020204" pitchFamily="34" charset="0"/>
+                <a:cs typeface="Arial" panose="020B0604020202020204" pitchFamily="34" charset="0"/>
+              </a:rPr>
+              <a:t>PCV2 virus-like particle (PDB ID 5ZJU)</a:t>
+            </a:r>
+            <a:endParaRPr kumimoji="1" lang="ja-JP" altLang="en-US" sz="650">
+              <a:latin typeface="Arial" panose="020B0604020202020204" pitchFamily="34" charset="0"/>
+              <a:cs typeface="Arial" panose="020B0604020202020204" pitchFamily="34" charset="0"/>
+            </a:endParaRPr>
+          </a:p>
+        </p:txBody>
+      </p:sp>
+      <p:sp>
+        <p:nvSpPr>
+          <p:cNvPr id="26" name="テキスト ボックス 25">
+            <a:extLst>
+              <a:ext uri="{FF2B5EF4-FFF2-40B4-BE49-F238E27FC236}">
+                <a16:creationId xmlns:a16="http://schemas.microsoft.com/office/drawing/2014/main" id="{3D83B21B-F70B-5BC6-4597-0558C4E917C9}"/>
+              </a:ext>
+            </a:extLst>
+          </p:cNvPr>
+          <p:cNvSpPr txBox="1"/>
+          <p:nvPr/>
+        </p:nvSpPr>
+        <p:spPr>
+          <a:xfrm>
+            <a:off x="3408661" y="5094520"/>
+            <a:ext cx="1907895" cy="192360"/>
+          </a:xfrm>
+          <a:prstGeom prst="rect">
+            <a:avLst/>
+          </a:prstGeom>
+          <a:noFill/>
+        </p:spPr>
+        <p:txBody>
+          <a:bodyPr wrap="none" rtlCol="0">
+            <a:spAutoFit/>
+          </a:bodyPr>
+          <a:lstStyle/>
+          <a:p>
+            <a:r>
+              <a:rPr lang="en" altLang="ja-JP" sz="650" dirty="0">
+                <a:latin typeface="Arial" panose="020B0604020202020204" pitchFamily="34" charset="0"/>
+                <a:cs typeface="Arial" panose="020B0604020202020204" pitchFamily="34" charset="0"/>
+              </a:rPr>
+              <a:t>Satellite panicum mosaic virus (PDB ID 1STM)</a:t>
+            </a:r>
+            <a:endParaRPr kumimoji="1" lang="ja-JP" altLang="en-US" sz="650">
+              <a:latin typeface="Arial" panose="020B0604020202020204" pitchFamily="34" charset="0"/>
+              <a:cs typeface="Arial" panose="020B0604020202020204" pitchFamily="34" charset="0"/>
+            </a:endParaRPr>
+          </a:p>
+        </p:txBody>
+      </p:sp>
+      <p:sp>
+        <p:nvSpPr>
+          <p:cNvPr id="28" name="テキスト ボックス 27">
+            <a:extLst>
+              <a:ext uri="{FF2B5EF4-FFF2-40B4-BE49-F238E27FC236}">
+                <a16:creationId xmlns:a16="http://schemas.microsoft.com/office/drawing/2014/main" id="{88DB529B-191A-F6A2-5B8B-6D560389CD5F}"/>
+              </a:ext>
+            </a:extLst>
+          </p:cNvPr>
+          <p:cNvSpPr txBox="1"/>
+          <p:nvPr/>
+        </p:nvSpPr>
+        <p:spPr>
+          <a:xfrm>
+            <a:off x="3429000" y="6828923"/>
+            <a:ext cx="1907895" cy="192360"/>
+          </a:xfrm>
+          <a:prstGeom prst="rect">
+            <a:avLst/>
+          </a:prstGeom>
+          <a:noFill/>
+        </p:spPr>
+        <p:txBody>
+          <a:bodyPr wrap="none" rtlCol="0">
+            <a:spAutoFit/>
+          </a:bodyPr>
+          <a:lstStyle/>
+          <a:p>
+            <a:r>
+              <a:rPr lang="en" altLang="ja-JP" sz="650" dirty="0">
+                <a:latin typeface="Arial" panose="020B0604020202020204" pitchFamily="34" charset="0"/>
+                <a:cs typeface="Arial" panose="020B0604020202020204" pitchFamily="34" charset="0"/>
+              </a:rPr>
+              <a:t>Satellite panicum mosaic virus (PDB ID 1STM)</a:t>
+            </a:r>
+            <a:endParaRPr kumimoji="1" lang="ja-JP" altLang="en-US" sz="650">
+              <a:latin typeface="Arial" panose="020B0604020202020204" pitchFamily="34" charset="0"/>
+              <a:cs typeface="Arial" panose="020B0604020202020204" pitchFamily="34" charset="0"/>
+            </a:endParaRPr>
+          </a:p>
+        </p:txBody>
+      </p:sp>
     </p:spTree>
     <p:extLst>
       <p:ext uri="{BB962C8B-B14F-4D97-AF65-F5344CB8AC3E}">
